--- a/Experiments/draw_stimuli.pptx
+++ b/Experiments/draw_stimuli.pptx
@@ -277,7 +277,7 @@
           <a:p>
             <a:fld id="{B3D1F5A6-33BB-9F4E-9C59-2A3D50235D3A}" type="datetimeFigureOut">
               <a:rPr lang="en-US" smtClean="0"/>
-              <a:t>8/27/19</a:t>
+              <a:t>8/28/19</a:t>
             </a:fld>
             <a:endParaRPr lang="en-US"/>
           </a:p>
@@ -7885,7 +7885,7 @@
           <a:p>
             <a:fld id="{E02736CB-4232-A146-B165-19378F549313}" type="datetimeFigureOut">
               <a:rPr lang="en-US" smtClean="0"/>
-              <a:t>8/27/19</a:t>
+              <a:t>8/28/19</a:t>
             </a:fld>
             <a:endParaRPr lang="en-US"/>
           </a:p>
@@ -8050,7 +8050,7 @@
           <a:p>
             <a:fld id="{E02736CB-4232-A146-B165-19378F549313}" type="datetimeFigureOut">
               <a:rPr lang="en-US" smtClean="0"/>
-              <a:t>8/27/19</a:t>
+              <a:t>8/28/19</a:t>
             </a:fld>
             <a:endParaRPr lang="en-US"/>
           </a:p>
@@ -8225,7 +8225,7 @@
           <a:p>
             <a:fld id="{E02736CB-4232-A146-B165-19378F549313}" type="datetimeFigureOut">
               <a:rPr lang="en-US" smtClean="0"/>
-              <a:t>8/27/19</a:t>
+              <a:t>8/28/19</a:t>
             </a:fld>
             <a:endParaRPr lang="en-US"/>
           </a:p>
@@ -8390,7 +8390,7 @@
           <a:p>
             <a:fld id="{E02736CB-4232-A146-B165-19378F549313}" type="datetimeFigureOut">
               <a:rPr lang="en-US" smtClean="0"/>
-              <a:t>8/27/19</a:t>
+              <a:t>8/28/19</a:t>
             </a:fld>
             <a:endParaRPr lang="en-US"/>
           </a:p>
@@ -8629,7 +8629,7 @@
           <a:p>
             <a:fld id="{E02736CB-4232-A146-B165-19378F549313}" type="datetimeFigureOut">
               <a:rPr lang="en-US" smtClean="0"/>
-              <a:t>8/27/19</a:t>
+              <a:t>8/28/19</a:t>
             </a:fld>
             <a:endParaRPr lang="en-US"/>
           </a:p>
@@ -8856,7 +8856,7 @@
           <a:p>
             <a:fld id="{E02736CB-4232-A146-B165-19378F549313}" type="datetimeFigureOut">
               <a:rPr lang="en-US" smtClean="0"/>
-              <a:t>8/27/19</a:t>
+              <a:t>8/28/19</a:t>
             </a:fld>
             <a:endParaRPr lang="en-US"/>
           </a:p>
@@ -9218,7 +9218,7 @@
           <a:p>
             <a:fld id="{E02736CB-4232-A146-B165-19378F549313}" type="datetimeFigureOut">
               <a:rPr lang="en-US" smtClean="0"/>
-              <a:t>8/27/19</a:t>
+              <a:t>8/28/19</a:t>
             </a:fld>
             <a:endParaRPr lang="en-US"/>
           </a:p>
@@ -9331,7 +9331,7 @@
           <a:p>
             <a:fld id="{E02736CB-4232-A146-B165-19378F549313}" type="datetimeFigureOut">
               <a:rPr lang="en-US" smtClean="0"/>
-              <a:t>8/27/19</a:t>
+              <a:t>8/28/19</a:t>
             </a:fld>
             <a:endParaRPr lang="en-US"/>
           </a:p>
@@ -9421,7 +9421,7 @@
           <a:p>
             <a:fld id="{E02736CB-4232-A146-B165-19378F549313}" type="datetimeFigureOut">
               <a:rPr lang="en-US" smtClean="0"/>
-              <a:t>8/27/19</a:t>
+              <a:t>8/28/19</a:t>
             </a:fld>
             <a:endParaRPr lang="en-US"/>
           </a:p>
@@ -9693,7 +9693,7 @@
           <a:p>
             <a:fld id="{E02736CB-4232-A146-B165-19378F549313}" type="datetimeFigureOut">
               <a:rPr lang="en-US" smtClean="0"/>
-              <a:t>8/27/19</a:t>
+              <a:t>8/28/19</a:t>
             </a:fld>
             <a:endParaRPr lang="en-US"/>
           </a:p>
@@ -9945,7 +9945,7 @@
           <a:p>
             <a:fld id="{E02736CB-4232-A146-B165-19378F549313}" type="datetimeFigureOut">
               <a:rPr lang="en-US" smtClean="0"/>
-              <a:t>8/27/19</a:t>
+              <a:t>8/28/19</a:t>
             </a:fld>
             <a:endParaRPr lang="en-US"/>
           </a:p>
@@ -10153,7 +10153,7 @@
           <a:p>
             <a:fld id="{E02736CB-4232-A146-B165-19378F549313}" type="datetimeFigureOut">
               <a:rPr lang="en-US" smtClean="0"/>
-              <a:t>8/27/19</a:t>
+              <a:t>8/28/19</a:t>
             </a:fld>
             <a:endParaRPr lang="en-US"/>
           </a:p>
@@ -10610,13 +10610,18 @@
           <a:p>
             <a:pPr algn="ctr"/>
             <a:r>
-              <a:rPr lang="en-US" sz="8000" dirty="0">
+              <a:rPr lang="en-US" sz="8000" dirty="0" smtClean="0">
                 <a:solidFill>
                   <a:srgbClr val="C00000"/>
                 </a:solidFill>
               </a:rPr>
-              <a:t>A</a:t>
+              <a:t>X</a:t>
             </a:r>
+            <a:endParaRPr lang="en-US" sz="8000" dirty="0">
+              <a:solidFill>
+                <a:srgbClr val="C00000"/>
+              </a:solidFill>
+            </a:endParaRPr>
           </a:p>
         </p:txBody>
       </p:sp>
@@ -10672,13 +10677,18 @@
           <a:p>
             <a:pPr algn="ctr"/>
             <a:r>
-              <a:rPr lang="en-US" sz="8000" dirty="0">
+              <a:rPr lang="en-US" sz="8000" smtClean="0">
                 <a:solidFill>
                   <a:srgbClr val="C00000"/>
                 </a:solidFill>
               </a:rPr>
-              <a:t>B</a:t>
+              <a:t>Z</a:t>
             </a:r>
+            <a:endParaRPr lang="en-US" sz="8000" dirty="0">
+              <a:solidFill>
+                <a:srgbClr val="C00000"/>
+              </a:solidFill>
+            </a:endParaRPr>
           </a:p>
         </p:txBody>
       </p:sp>
@@ -10734,13 +10744,18 @@
           <a:p>
             <a:pPr algn="ctr"/>
             <a:r>
-              <a:rPr lang="en-US" sz="8000" dirty="0">
+              <a:rPr lang="en-US" sz="8000" dirty="0" smtClean="0">
                 <a:solidFill>
                   <a:srgbClr val="C00000"/>
                 </a:solidFill>
               </a:rPr>
-              <a:t>C</a:t>
+              <a:t>Y</a:t>
             </a:r>
+            <a:endParaRPr lang="en-US" sz="8000" dirty="0">
+              <a:solidFill>
+                <a:srgbClr val="C00000"/>
+              </a:solidFill>
+            </a:endParaRPr>
           </a:p>
         </p:txBody>
       </p:sp>
@@ -11023,13 +11038,18 @@
           <a:p>
             <a:pPr algn="ctr"/>
             <a:r>
-              <a:rPr lang="en-US" sz="8000" dirty="0">
+              <a:rPr lang="en-US" sz="8000" dirty="0" smtClean="0">
                 <a:solidFill>
                   <a:srgbClr val="C00000"/>
                 </a:solidFill>
               </a:rPr>
-              <a:t>A</a:t>
+              <a:t>X</a:t>
             </a:r>
+            <a:endParaRPr lang="en-US" sz="8000" dirty="0">
+              <a:solidFill>
+                <a:srgbClr val="C00000"/>
+              </a:solidFill>
+            </a:endParaRPr>
           </a:p>
         </p:txBody>
       </p:sp>
@@ -11085,13 +11105,18 @@
           <a:p>
             <a:pPr algn="ctr"/>
             <a:r>
-              <a:rPr lang="en-US" sz="8000" dirty="0">
+              <a:rPr lang="en-US" sz="8000" smtClean="0">
                 <a:solidFill>
                   <a:srgbClr val="C00000"/>
                 </a:solidFill>
               </a:rPr>
-              <a:t>B</a:t>
+              <a:t>Z</a:t>
             </a:r>
+            <a:endParaRPr lang="en-US" sz="8000" dirty="0">
+              <a:solidFill>
+                <a:srgbClr val="C00000"/>
+              </a:solidFill>
+            </a:endParaRPr>
           </a:p>
         </p:txBody>
       </p:sp>
@@ -11147,13 +11172,18 @@
           <a:p>
             <a:pPr algn="ctr"/>
             <a:r>
-              <a:rPr lang="en-US" sz="8000" dirty="0">
+              <a:rPr lang="en-US" sz="8000" dirty="0" smtClean="0">
                 <a:solidFill>
                   <a:srgbClr val="C00000"/>
                 </a:solidFill>
               </a:rPr>
-              <a:t>C</a:t>
+              <a:t>Y</a:t>
             </a:r>
+            <a:endParaRPr lang="en-US" sz="8000" dirty="0">
+              <a:solidFill>
+                <a:srgbClr val="C00000"/>
+              </a:solidFill>
+            </a:endParaRPr>
           </a:p>
         </p:txBody>
       </p:sp>
@@ -11436,13 +11466,18 @@
           <a:p>
             <a:pPr algn="ctr"/>
             <a:r>
-              <a:rPr lang="en-US" sz="8000" dirty="0">
+              <a:rPr lang="en-US" sz="8000" dirty="0" smtClean="0">
                 <a:solidFill>
                   <a:srgbClr val="C00000"/>
                 </a:solidFill>
               </a:rPr>
-              <a:t>A</a:t>
+              <a:t>X</a:t>
             </a:r>
+            <a:endParaRPr lang="en-US" sz="8000" dirty="0">
+              <a:solidFill>
+                <a:srgbClr val="C00000"/>
+              </a:solidFill>
+            </a:endParaRPr>
           </a:p>
         </p:txBody>
       </p:sp>
@@ -11498,13 +11533,18 @@
           <a:p>
             <a:pPr algn="ctr"/>
             <a:r>
-              <a:rPr lang="en-US" sz="8000" dirty="0">
+              <a:rPr lang="en-US" sz="8000" dirty="0" smtClean="0">
                 <a:solidFill>
                   <a:srgbClr val="C00000"/>
                 </a:solidFill>
               </a:rPr>
-              <a:t>B</a:t>
+              <a:t>Z</a:t>
             </a:r>
+            <a:endParaRPr lang="en-US" sz="8000" dirty="0">
+              <a:solidFill>
+                <a:srgbClr val="C00000"/>
+              </a:solidFill>
+            </a:endParaRPr>
           </a:p>
         </p:txBody>
       </p:sp>
@@ -11560,13 +11600,18 @@
           <a:p>
             <a:pPr algn="ctr"/>
             <a:r>
-              <a:rPr lang="en-US" sz="8000" dirty="0">
+              <a:rPr lang="en-US" sz="8000" dirty="0" smtClean="0">
                 <a:solidFill>
                   <a:srgbClr val="C00000"/>
                 </a:solidFill>
               </a:rPr>
-              <a:t>C</a:t>
+              <a:t>Y</a:t>
             </a:r>
+            <a:endParaRPr lang="en-US" sz="8000" dirty="0">
+              <a:solidFill>
+                <a:srgbClr val="C00000"/>
+              </a:solidFill>
+            </a:endParaRPr>
           </a:p>
         </p:txBody>
       </p:sp>
@@ -11847,13 +11892,18 @@
           <a:p>
             <a:pPr algn="ctr"/>
             <a:r>
-              <a:rPr lang="en-US" sz="8000" dirty="0">
+              <a:rPr lang="en-US" sz="8000" dirty="0" smtClean="0">
                 <a:solidFill>
                   <a:srgbClr val="C00000"/>
                 </a:solidFill>
               </a:rPr>
-              <a:t>A</a:t>
+              <a:t>X</a:t>
             </a:r>
+            <a:endParaRPr lang="en-US" sz="8000" dirty="0">
+              <a:solidFill>
+                <a:srgbClr val="C00000"/>
+              </a:solidFill>
+            </a:endParaRPr>
           </a:p>
         </p:txBody>
       </p:sp>
@@ -11909,13 +11959,18 @@
           <a:p>
             <a:pPr algn="ctr"/>
             <a:r>
-              <a:rPr lang="en-US" sz="8000" dirty="0">
+              <a:rPr lang="en-US" sz="8000" dirty="0" smtClean="0">
                 <a:solidFill>
                   <a:srgbClr val="C00000"/>
                 </a:solidFill>
               </a:rPr>
-              <a:t>B</a:t>
+              <a:t>Z</a:t>
             </a:r>
+            <a:endParaRPr lang="en-US" sz="8000" dirty="0">
+              <a:solidFill>
+                <a:srgbClr val="C00000"/>
+              </a:solidFill>
+            </a:endParaRPr>
           </a:p>
         </p:txBody>
       </p:sp>
@@ -11971,13 +12026,18 @@
           <a:p>
             <a:pPr algn="ctr"/>
             <a:r>
-              <a:rPr lang="en-US" sz="8000" dirty="0">
+              <a:rPr lang="en-US" sz="8000" dirty="0" smtClean="0">
                 <a:solidFill>
                   <a:srgbClr val="C00000"/>
                 </a:solidFill>
               </a:rPr>
-              <a:t>C</a:t>
+              <a:t>Y</a:t>
             </a:r>
+            <a:endParaRPr lang="en-US" sz="8000" dirty="0">
+              <a:solidFill>
+                <a:srgbClr val="C00000"/>
+              </a:solidFill>
+            </a:endParaRPr>
           </a:p>
         </p:txBody>
       </p:sp>
@@ -12258,13 +12318,18 @@
           <a:p>
             <a:pPr algn="ctr"/>
             <a:r>
-              <a:rPr lang="en-US" sz="8000" dirty="0">
+              <a:rPr lang="en-US" sz="8000" dirty="0" smtClean="0">
                 <a:solidFill>
                   <a:srgbClr val="C00000"/>
                 </a:solidFill>
               </a:rPr>
-              <a:t>A</a:t>
+              <a:t>X</a:t>
             </a:r>
+            <a:endParaRPr lang="en-US" sz="8000" dirty="0">
+              <a:solidFill>
+                <a:srgbClr val="C00000"/>
+              </a:solidFill>
+            </a:endParaRPr>
           </a:p>
         </p:txBody>
       </p:sp>
@@ -12320,13 +12385,18 @@
           <a:p>
             <a:pPr algn="ctr"/>
             <a:r>
-              <a:rPr lang="en-US" sz="8000" dirty="0">
+              <a:rPr lang="en-US" sz="8000" dirty="0" smtClean="0">
                 <a:solidFill>
                   <a:srgbClr val="C00000"/>
                 </a:solidFill>
               </a:rPr>
-              <a:t>B</a:t>
+              <a:t>Z</a:t>
             </a:r>
+            <a:endParaRPr lang="en-US" sz="8000" dirty="0">
+              <a:solidFill>
+                <a:srgbClr val="C00000"/>
+              </a:solidFill>
+            </a:endParaRPr>
           </a:p>
         </p:txBody>
       </p:sp>
@@ -12382,13 +12452,18 @@
           <a:p>
             <a:pPr algn="ctr"/>
             <a:r>
-              <a:rPr lang="en-US" sz="8000" dirty="0">
+              <a:rPr lang="en-US" sz="8000" dirty="0" smtClean="0">
                 <a:solidFill>
                   <a:srgbClr val="C00000"/>
                 </a:solidFill>
               </a:rPr>
-              <a:t>C</a:t>
+              <a:t>Y</a:t>
             </a:r>
+            <a:endParaRPr lang="en-US" sz="8000" dirty="0">
+              <a:solidFill>
+                <a:srgbClr val="C00000"/>
+              </a:solidFill>
+            </a:endParaRPr>
           </a:p>
         </p:txBody>
       </p:sp>
@@ -12669,13 +12744,18 @@
           <a:p>
             <a:pPr algn="ctr"/>
             <a:r>
-              <a:rPr lang="en-US" sz="8000" dirty="0">
+              <a:rPr lang="en-US" sz="8000" dirty="0" smtClean="0">
                 <a:solidFill>
                   <a:srgbClr val="C00000"/>
                 </a:solidFill>
               </a:rPr>
-              <a:t>A</a:t>
+              <a:t>X</a:t>
             </a:r>
+            <a:endParaRPr lang="en-US" sz="8000" dirty="0">
+              <a:solidFill>
+                <a:srgbClr val="C00000"/>
+              </a:solidFill>
+            </a:endParaRPr>
           </a:p>
         </p:txBody>
       </p:sp>
@@ -12731,13 +12811,18 @@
           <a:p>
             <a:pPr algn="ctr"/>
             <a:r>
-              <a:rPr lang="en-US" sz="8000" dirty="0">
+              <a:rPr lang="en-US" sz="8000" dirty="0" smtClean="0">
                 <a:solidFill>
                   <a:srgbClr val="C00000"/>
                 </a:solidFill>
               </a:rPr>
-              <a:t>B</a:t>
+              <a:t>Z</a:t>
             </a:r>
+            <a:endParaRPr lang="en-US" sz="8000" dirty="0">
+              <a:solidFill>
+                <a:srgbClr val="C00000"/>
+              </a:solidFill>
+            </a:endParaRPr>
           </a:p>
         </p:txBody>
       </p:sp>
@@ -12793,13 +12878,18 @@
           <a:p>
             <a:pPr algn="ctr"/>
             <a:r>
-              <a:rPr lang="en-US" sz="8000" dirty="0">
+              <a:rPr lang="en-US" sz="8000" dirty="0" smtClean="0">
                 <a:solidFill>
                   <a:srgbClr val="C00000"/>
                 </a:solidFill>
               </a:rPr>
-              <a:t>C</a:t>
+              <a:t>Y</a:t>
             </a:r>
+            <a:endParaRPr lang="en-US" sz="8000" dirty="0">
+              <a:solidFill>
+                <a:srgbClr val="C00000"/>
+              </a:solidFill>
+            </a:endParaRPr>
           </a:p>
         </p:txBody>
       </p:sp>
@@ -13080,13 +13170,18 @@
           <a:p>
             <a:pPr algn="ctr"/>
             <a:r>
-              <a:rPr lang="en-US" sz="8000" dirty="0">
+              <a:rPr lang="en-US" sz="8000" dirty="0" smtClean="0">
                 <a:solidFill>
                   <a:srgbClr val="C00000"/>
                 </a:solidFill>
               </a:rPr>
-              <a:t>A</a:t>
+              <a:t>X</a:t>
             </a:r>
+            <a:endParaRPr lang="en-US" sz="8000" dirty="0">
+              <a:solidFill>
+                <a:srgbClr val="C00000"/>
+              </a:solidFill>
+            </a:endParaRPr>
           </a:p>
         </p:txBody>
       </p:sp>
@@ -13142,13 +13237,18 @@
           <a:p>
             <a:pPr algn="ctr"/>
             <a:r>
-              <a:rPr lang="en-US" sz="8000" dirty="0">
+              <a:rPr lang="en-US" sz="8000" dirty="0" smtClean="0">
                 <a:solidFill>
                   <a:srgbClr val="C00000"/>
                 </a:solidFill>
               </a:rPr>
-              <a:t>B</a:t>
+              <a:t>Z</a:t>
             </a:r>
+            <a:endParaRPr lang="en-US" sz="8000" dirty="0">
+              <a:solidFill>
+                <a:srgbClr val="C00000"/>
+              </a:solidFill>
+            </a:endParaRPr>
           </a:p>
         </p:txBody>
       </p:sp>
@@ -13204,13 +13304,18 @@
           <a:p>
             <a:pPr algn="ctr"/>
             <a:r>
-              <a:rPr lang="en-US" sz="8000" dirty="0">
+              <a:rPr lang="en-US" sz="8000" dirty="0" smtClean="0">
                 <a:solidFill>
                   <a:srgbClr val="C00000"/>
                 </a:solidFill>
               </a:rPr>
-              <a:t>C</a:t>
+              <a:t>Y</a:t>
             </a:r>
+            <a:endParaRPr lang="en-US" sz="8000" dirty="0">
+              <a:solidFill>
+                <a:srgbClr val="C00000"/>
+              </a:solidFill>
+            </a:endParaRPr>
           </a:p>
         </p:txBody>
       </p:sp>
@@ -13491,13 +13596,18 @@
           <a:p>
             <a:pPr algn="ctr"/>
             <a:r>
-              <a:rPr lang="en-US" sz="8000" dirty="0">
+              <a:rPr lang="en-US" sz="8000" dirty="0" smtClean="0">
                 <a:solidFill>
                   <a:srgbClr val="C00000"/>
                 </a:solidFill>
               </a:rPr>
-              <a:t>A</a:t>
+              <a:t>X</a:t>
             </a:r>
+            <a:endParaRPr lang="en-US" sz="8000" dirty="0">
+              <a:solidFill>
+                <a:srgbClr val="C00000"/>
+              </a:solidFill>
+            </a:endParaRPr>
           </a:p>
         </p:txBody>
       </p:sp>
@@ -13553,13 +13663,18 @@
           <a:p>
             <a:pPr algn="ctr"/>
             <a:r>
-              <a:rPr lang="en-US" sz="8000" dirty="0">
+              <a:rPr lang="en-US" sz="8000" dirty="0" smtClean="0">
                 <a:solidFill>
                   <a:srgbClr val="C00000"/>
                 </a:solidFill>
               </a:rPr>
-              <a:t>B</a:t>
+              <a:t>Z</a:t>
             </a:r>
+            <a:endParaRPr lang="en-US" sz="8000" dirty="0">
+              <a:solidFill>
+                <a:srgbClr val="C00000"/>
+              </a:solidFill>
+            </a:endParaRPr>
           </a:p>
         </p:txBody>
       </p:sp>
@@ -13615,13 +13730,18 @@
           <a:p>
             <a:pPr algn="ctr"/>
             <a:r>
-              <a:rPr lang="en-US" sz="8000" dirty="0">
+              <a:rPr lang="en-US" sz="8000" dirty="0" smtClean="0">
                 <a:solidFill>
                   <a:srgbClr val="C00000"/>
                 </a:solidFill>
               </a:rPr>
-              <a:t>C</a:t>
+              <a:t>Y</a:t>
             </a:r>
+            <a:endParaRPr lang="en-US" sz="8000" dirty="0">
+              <a:solidFill>
+                <a:srgbClr val="C00000"/>
+              </a:solidFill>
+            </a:endParaRPr>
           </a:p>
         </p:txBody>
       </p:sp>
@@ -13899,13 +14019,18 @@
           <a:p>
             <a:pPr algn="ctr"/>
             <a:r>
-              <a:rPr lang="en-US" sz="8000" dirty="0">
+              <a:rPr lang="en-US" sz="8000" dirty="0" smtClean="0">
                 <a:solidFill>
                   <a:srgbClr val="C00000"/>
                 </a:solidFill>
               </a:rPr>
-              <a:t>A</a:t>
+              <a:t>X</a:t>
             </a:r>
+            <a:endParaRPr lang="en-US" sz="8000" dirty="0">
+              <a:solidFill>
+                <a:srgbClr val="C00000"/>
+              </a:solidFill>
+            </a:endParaRPr>
           </a:p>
         </p:txBody>
       </p:sp>
@@ -13961,13 +14086,18 @@
           <a:p>
             <a:pPr algn="ctr"/>
             <a:r>
-              <a:rPr lang="en-US" sz="8000" dirty="0">
+              <a:rPr lang="en-US" sz="8000" dirty="0" smtClean="0">
                 <a:solidFill>
                   <a:srgbClr val="C00000"/>
                 </a:solidFill>
               </a:rPr>
-              <a:t>B</a:t>
+              <a:t>Z</a:t>
             </a:r>
+            <a:endParaRPr lang="en-US" sz="8000" dirty="0">
+              <a:solidFill>
+                <a:srgbClr val="C00000"/>
+              </a:solidFill>
+            </a:endParaRPr>
           </a:p>
         </p:txBody>
       </p:sp>
@@ -14023,13 +14153,18 @@
           <a:p>
             <a:pPr algn="ctr"/>
             <a:r>
-              <a:rPr lang="en-US" sz="8000" dirty="0">
+              <a:rPr lang="en-US" sz="8000" dirty="0" smtClean="0">
                 <a:solidFill>
                   <a:srgbClr val="C00000"/>
                 </a:solidFill>
               </a:rPr>
-              <a:t>C</a:t>
+              <a:t>Y</a:t>
             </a:r>
+            <a:endParaRPr lang="en-US" sz="8000" dirty="0">
+              <a:solidFill>
+                <a:srgbClr val="C00000"/>
+              </a:solidFill>
+            </a:endParaRPr>
           </a:p>
         </p:txBody>
       </p:sp>
@@ -14307,13 +14442,18 @@
           <a:p>
             <a:pPr algn="ctr"/>
             <a:r>
-              <a:rPr lang="en-US" sz="8000" dirty="0">
+              <a:rPr lang="en-US" sz="8000" dirty="0" smtClean="0">
                 <a:solidFill>
                   <a:srgbClr val="C00000"/>
                 </a:solidFill>
               </a:rPr>
-              <a:t>A</a:t>
+              <a:t>X</a:t>
             </a:r>
+            <a:endParaRPr lang="en-US" sz="8000" dirty="0">
+              <a:solidFill>
+                <a:srgbClr val="C00000"/>
+              </a:solidFill>
+            </a:endParaRPr>
           </a:p>
         </p:txBody>
       </p:sp>
@@ -14369,13 +14509,18 @@
           <a:p>
             <a:pPr algn="ctr"/>
             <a:r>
-              <a:rPr lang="en-US" sz="8000" dirty="0">
+              <a:rPr lang="en-US" sz="8000" dirty="0" smtClean="0">
                 <a:solidFill>
                   <a:srgbClr val="C00000"/>
                 </a:solidFill>
               </a:rPr>
-              <a:t>B</a:t>
+              <a:t>Z</a:t>
             </a:r>
+            <a:endParaRPr lang="en-US" sz="8000" dirty="0">
+              <a:solidFill>
+                <a:srgbClr val="C00000"/>
+              </a:solidFill>
+            </a:endParaRPr>
           </a:p>
         </p:txBody>
       </p:sp>
@@ -14431,13 +14576,18 @@
           <a:p>
             <a:pPr algn="ctr"/>
             <a:r>
-              <a:rPr lang="en-US" sz="8000" dirty="0">
+              <a:rPr lang="en-US" sz="8000" dirty="0" smtClean="0">
                 <a:solidFill>
                   <a:srgbClr val="C00000"/>
                 </a:solidFill>
               </a:rPr>
-              <a:t>C</a:t>
+              <a:t>Y</a:t>
             </a:r>
+            <a:endParaRPr lang="en-US" sz="8000" dirty="0">
+              <a:solidFill>
+                <a:srgbClr val="C00000"/>
+              </a:solidFill>
+            </a:endParaRPr>
           </a:p>
         </p:txBody>
       </p:sp>
@@ -14715,13 +14865,18 @@
           <a:p>
             <a:pPr algn="ctr"/>
             <a:r>
-              <a:rPr lang="en-US" sz="8000" dirty="0">
+              <a:rPr lang="en-US" sz="8000" dirty="0" smtClean="0">
                 <a:solidFill>
                   <a:srgbClr val="C00000"/>
                 </a:solidFill>
               </a:rPr>
-              <a:t>A</a:t>
+              <a:t>X</a:t>
             </a:r>
+            <a:endParaRPr lang="en-US" sz="8000" dirty="0">
+              <a:solidFill>
+                <a:srgbClr val="C00000"/>
+              </a:solidFill>
+            </a:endParaRPr>
           </a:p>
         </p:txBody>
       </p:sp>
@@ -14777,13 +14932,18 @@
           <a:p>
             <a:pPr algn="ctr"/>
             <a:r>
-              <a:rPr lang="en-US" sz="8000" dirty="0">
+              <a:rPr lang="en-US" sz="8000" dirty="0" smtClean="0">
                 <a:solidFill>
                   <a:srgbClr val="C00000"/>
                 </a:solidFill>
               </a:rPr>
-              <a:t>B</a:t>
+              <a:t>Z</a:t>
             </a:r>
+            <a:endParaRPr lang="en-US" sz="8000" dirty="0">
+              <a:solidFill>
+                <a:srgbClr val="C00000"/>
+              </a:solidFill>
+            </a:endParaRPr>
           </a:p>
         </p:txBody>
       </p:sp>
@@ -14839,13 +14999,18 @@
           <a:p>
             <a:pPr algn="ctr"/>
             <a:r>
-              <a:rPr lang="en-US" sz="8000" dirty="0">
+              <a:rPr lang="en-US" sz="8000" dirty="0" smtClean="0">
                 <a:solidFill>
                   <a:srgbClr val="C00000"/>
                 </a:solidFill>
               </a:rPr>
-              <a:t>C</a:t>
+              <a:t>Y</a:t>
             </a:r>
+            <a:endParaRPr lang="en-US" sz="8000" dirty="0">
+              <a:solidFill>
+                <a:srgbClr val="C00000"/>
+              </a:solidFill>
+            </a:endParaRPr>
           </a:p>
         </p:txBody>
       </p:sp>
@@ -15126,13 +15291,18 @@
           <a:p>
             <a:pPr algn="ctr"/>
             <a:r>
-              <a:rPr lang="en-US" sz="8000" dirty="0">
+              <a:rPr lang="en-US" sz="8000" dirty="0" smtClean="0">
                 <a:solidFill>
                   <a:srgbClr val="C00000"/>
                 </a:solidFill>
               </a:rPr>
-              <a:t>A</a:t>
+              <a:t>X</a:t>
             </a:r>
+            <a:endParaRPr lang="en-US" sz="8000" dirty="0">
+              <a:solidFill>
+                <a:srgbClr val="C00000"/>
+              </a:solidFill>
+            </a:endParaRPr>
           </a:p>
         </p:txBody>
       </p:sp>
@@ -15188,13 +15358,18 @@
           <a:p>
             <a:pPr algn="ctr"/>
             <a:r>
-              <a:rPr lang="en-US" sz="8000" dirty="0">
+              <a:rPr lang="en-US" sz="8000" smtClean="0">
                 <a:solidFill>
                   <a:srgbClr val="C00000"/>
                 </a:solidFill>
               </a:rPr>
-              <a:t>B</a:t>
+              <a:t>Z</a:t>
             </a:r>
+            <a:endParaRPr lang="en-US" sz="8000" dirty="0">
+              <a:solidFill>
+                <a:srgbClr val="C00000"/>
+              </a:solidFill>
+            </a:endParaRPr>
           </a:p>
         </p:txBody>
       </p:sp>
@@ -15250,13 +15425,18 @@
           <a:p>
             <a:pPr algn="ctr"/>
             <a:r>
-              <a:rPr lang="en-US" sz="8000" dirty="0">
+              <a:rPr lang="en-US" sz="8000" dirty="0" smtClean="0">
                 <a:solidFill>
                   <a:srgbClr val="C00000"/>
                 </a:solidFill>
               </a:rPr>
-              <a:t>C</a:t>
+              <a:t>Y</a:t>
             </a:r>
+            <a:endParaRPr lang="en-US" sz="8000" dirty="0">
+              <a:solidFill>
+                <a:srgbClr val="C00000"/>
+              </a:solidFill>
+            </a:endParaRPr>
           </a:p>
         </p:txBody>
       </p:sp>
@@ -15539,13 +15719,18 @@
           <a:p>
             <a:pPr algn="ctr"/>
             <a:r>
-              <a:rPr lang="en-US" sz="8000" dirty="0">
+              <a:rPr lang="en-US" sz="8000" dirty="0" smtClean="0">
                 <a:solidFill>
                   <a:srgbClr val="C00000"/>
                 </a:solidFill>
               </a:rPr>
-              <a:t>A</a:t>
+              <a:t>X</a:t>
             </a:r>
+            <a:endParaRPr lang="en-US" sz="8000" dirty="0">
+              <a:solidFill>
+                <a:srgbClr val="C00000"/>
+              </a:solidFill>
+            </a:endParaRPr>
           </a:p>
         </p:txBody>
       </p:sp>
@@ -15601,13 +15786,18 @@
           <a:p>
             <a:pPr algn="ctr"/>
             <a:r>
-              <a:rPr lang="en-US" sz="8000" dirty="0">
+              <a:rPr lang="en-US" sz="8000" dirty="0" smtClean="0">
                 <a:solidFill>
                   <a:srgbClr val="C00000"/>
                 </a:solidFill>
               </a:rPr>
-              <a:t>B</a:t>
+              <a:t>Z</a:t>
             </a:r>
+            <a:endParaRPr lang="en-US" sz="8000" dirty="0">
+              <a:solidFill>
+                <a:srgbClr val="C00000"/>
+              </a:solidFill>
+            </a:endParaRPr>
           </a:p>
         </p:txBody>
       </p:sp>
@@ -15663,13 +15853,18 @@
           <a:p>
             <a:pPr algn="ctr"/>
             <a:r>
-              <a:rPr lang="en-US" sz="8000" dirty="0">
+              <a:rPr lang="en-US" sz="8000" dirty="0" smtClean="0">
                 <a:solidFill>
                   <a:srgbClr val="C00000"/>
                 </a:solidFill>
               </a:rPr>
-              <a:t>C</a:t>
+              <a:t>Y</a:t>
             </a:r>
+            <a:endParaRPr lang="en-US" sz="8000" dirty="0">
+              <a:solidFill>
+                <a:srgbClr val="C00000"/>
+              </a:solidFill>
+            </a:endParaRPr>
           </a:p>
         </p:txBody>
       </p:sp>
@@ -15950,13 +16145,18 @@
           <a:p>
             <a:pPr algn="ctr"/>
             <a:r>
-              <a:rPr lang="en-US" sz="8000" dirty="0">
+              <a:rPr lang="en-US" sz="8000" dirty="0" smtClean="0">
                 <a:solidFill>
                   <a:srgbClr val="C00000"/>
                 </a:solidFill>
               </a:rPr>
-              <a:t>A</a:t>
+              <a:t>X</a:t>
             </a:r>
+            <a:endParaRPr lang="en-US" sz="8000" dirty="0">
+              <a:solidFill>
+                <a:srgbClr val="C00000"/>
+              </a:solidFill>
+            </a:endParaRPr>
           </a:p>
         </p:txBody>
       </p:sp>
@@ -16012,13 +16212,18 @@
           <a:p>
             <a:pPr algn="ctr"/>
             <a:r>
-              <a:rPr lang="en-US" sz="8000" dirty="0">
+              <a:rPr lang="en-US" sz="8000" dirty="0" smtClean="0">
                 <a:solidFill>
                   <a:srgbClr val="C00000"/>
                 </a:solidFill>
               </a:rPr>
-              <a:t>B</a:t>
+              <a:t>Z</a:t>
             </a:r>
+            <a:endParaRPr lang="en-US" sz="8000" dirty="0">
+              <a:solidFill>
+                <a:srgbClr val="C00000"/>
+              </a:solidFill>
+            </a:endParaRPr>
           </a:p>
         </p:txBody>
       </p:sp>
@@ -16074,13 +16279,18 @@
           <a:p>
             <a:pPr algn="ctr"/>
             <a:r>
-              <a:rPr lang="en-US" sz="8000" dirty="0">
+              <a:rPr lang="en-US" sz="8000" dirty="0" smtClean="0">
                 <a:solidFill>
                   <a:srgbClr val="C00000"/>
                 </a:solidFill>
               </a:rPr>
-              <a:t>C</a:t>
+              <a:t>Y</a:t>
             </a:r>
+            <a:endParaRPr lang="en-US" sz="8000" dirty="0">
+              <a:solidFill>
+                <a:srgbClr val="C00000"/>
+              </a:solidFill>
+            </a:endParaRPr>
           </a:p>
         </p:txBody>
       </p:sp>
@@ -16361,13 +16571,18 @@
           <a:p>
             <a:pPr algn="ctr"/>
             <a:r>
-              <a:rPr lang="en-US" sz="8000" dirty="0">
+              <a:rPr lang="en-US" sz="8000" dirty="0" smtClean="0">
                 <a:solidFill>
                   <a:srgbClr val="C00000"/>
                 </a:solidFill>
               </a:rPr>
-              <a:t>A</a:t>
+              <a:t>X</a:t>
             </a:r>
+            <a:endParaRPr lang="en-US" sz="8000" dirty="0">
+              <a:solidFill>
+                <a:srgbClr val="C00000"/>
+              </a:solidFill>
+            </a:endParaRPr>
           </a:p>
         </p:txBody>
       </p:sp>
@@ -16423,13 +16638,18 @@
           <a:p>
             <a:pPr algn="ctr"/>
             <a:r>
-              <a:rPr lang="en-US" sz="8000" dirty="0">
+              <a:rPr lang="en-US" sz="8000" dirty="0" smtClean="0">
                 <a:solidFill>
                   <a:srgbClr val="C00000"/>
                 </a:solidFill>
               </a:rPr>
-              <a:t>B</a:t>
+              <a:t>Z</a:t>
             </a:r>
+            <a:endParaRPr lang="en-US" sz="8000" dirty="0">
+              <a:solidFill>
+                <a:srgbClr val="C00000"/>
+              </a:solidFill>
+            </a:endParaRPr>
           </a:p>
         </p:txBody>
       </p:sp>
@@ -16485,13 +16705,18 @@
           <a:p>
             <a:pPr algn="ctr"/>
             <a:r>
-              <a:rPr lang="en-US" sz="8000" dirty="0">
+              <a:rPr lang="en-US" sz="8000" dirty="0" smtClean="0">
                 <a:solidFill>
                   <a:srgbClr val="C00000"/>
                 </a:solidFill>
               </a:rPr>
-              <a:t>C</a:t>
+              <a:t>Y</a:t>
             </a:r>
+            <a:endParaRPr lang="en-US" sz="8000" dirty="0">
+              <a:solidFill>
+                <a:srgbClr val="C00000"/>
+              </a:solidFill>
+            </a:endParaRPr>
           </a:p>
         </p:txBody>
       </p:sp>
@@ -16772,13 +16997,18 @@
           <a:p>
             <a:pPr algn="ctr"/>
             <a:r>
-              <a:rPr lang="en-US" sz="8000" dirty="0">
+              <a:rPr lang="en-US" sz="8000" dirty="0" smtClean="0">
                 <a:solidFill>
                   <a:srgbClr val="C00000"/>
                 </a:solidFill>
               </a:rPr>
-              <a:t>A</a:t>
+              <a:t>X</a:t>
             </a:r>
+            <a:endParaRPr lang="en-US" sz="8000" dirty="0">
+              <a:solidFill>
+                <a:srgbClr val="C00000"/>
+              </a:solidFill>
+            </a:endParaRPr>
           </a:p>
         </p:txBody>
       </p:sp>
@@ -16834,13 +17064,18 @@
           <a:p>
             <a:pPr algn="ctr"/>
             <a:r>
-              <a:rPr lang="en-US" sz="8000" dirty="0">
+              <a:rPr lang="en-US" sz="8000" dirty="0" smtClean="0">
                 <a:solidFill>
                   <a:srgbClr val="C00000"/>
                 </a:solidFill>
               </a:rPr>
-              <a:t>B</a:t>
+              <a:t>Z</a:t>
             </a:r>
+            <a:endParaRPr lang="en-US" sz="8000" dirty="0">
+              <a:solidFill>
+                <a:srgbClr val="C00000"/>
+              </a:solidFill>
+            </a:endParaRPr>
           </a:p>
         </p:txBody>
       </p:sp>
@@ -16896,13 +17131,18 @@
           <a:p>
             <a:pPr algn="ctr"/>
             <a:r>
-              <a:rPr lang="en-US" sz="8000" dirty="0">
+              <a:rPr lang="en-US" sz="8000" dirty="0" smtClean="0">
                 <a:solidFill>
                   <a:srgbClr val="C00000"/>
                 </a:solidFill>
               </a:rPr>
-              <a:t>C</a:t>
+              <a:t>Y</a:t>
             </a:r>
+            <a:endParaRPr lang="en-US" sz="8000" dirty="0">
+              <a:solidFill>
+                <a:srgbClr val="C00000"/>
+              </a:solidFill>
+            </a:endParaRPr>
           </a:p>
         </p:txBody>
       </p:sp>
@@ -17183,13 +17423,18 @@
           <a:p>
             <a:pPr algn="ctr"/>
             <a:r>
-              <a:rPr lang="en-US" sz="8000" dirty="0">
+              <a:rPr lang="en-US" sz="8000" dirty="0" smtClean="0">
                 <a:solidFill>
                   <a:srgbClr val="C00000"/>
                 </a:solidFill>
               </a:rPr>
-              <a:t>A</a:t>
+              <a:t>X</a:t>
             </a:r>
+            <a:endParaRPr lang="en-US" sz="8000" dirty="0">
+              <a:solidFill>
+                <a:srgbClr val="C00000"/>
+              </a:solidFill>
+            </a:endParaRPr>
           </a:p>
         </p:txBody>
       </p:sp>
@@ -17245,13 +17490,18 @@
           <a:p>
             <a:pPr algn="ctr"/>
             <a:r>
-              <a:rPr lang="en-US" sz="8000" dirty="0">
+              <a:rPr lang="en-US" sz="8000" dirty="0" smtClean="0">
                 <a:solidFill>
                   <a:srgbClr val="C00000"/>
                 </a:solidFill>
               </a:rPr>
-              <a:t>B</a:t>
+              <a:t>Z</a:t>
             </a:r>
+            <a:endParaRPr lang="en-US" sz="8000" dirty="0">
+              <a:solidFill>
+                <a:srgbClr val="C00000"/>
+              </a:solidFill>
+            </a:endParaRPr>
           </a:p>
         </p:txBody>
       </p:sp>
@@ -17307,13 +17557,18 @@
           <a:p>
             <a:pPr algn="ctr"/>
             <a:r>
-              <a:rPr lang="en-US" sz="8000" dirty="0">
+              <a:rPr lang="en-US" sz="8000" dirty="0" smtClean="0">
                 <a:solidFill>
                   <a:srgbClr val="C00000"/>
                 </a:solidFill>
               </a:rPr>
-              <a:t>C</a:t>
+              <a:t>Y</a:t>
             </a:r>
+            <a:endParaRPr lang="en-US" sz="8000" dirty="0">
+              <a:solidFill>
+                <a:srgbClr val="C00000"/>
+              </a:solidFill>
+            </a:endParaRPr>
           </a:p>
         </p:txBody>
       </p:sp>
@@ -17594,13 +17849,18 @@
           <a:p>
             <a:pPr algn="ctr"/>
             <a:r>
-              <a:rPr lang="en-US" sz="8000" dirty="0">
+              <a:rPr lang="en-US" sz="8000" dirty="0" smtClean="0">
                 <a:solidFill>
                   <a:srgbClr val="C00000"/>
                 </a:solidFill>
               </a:rPr>
-              <a:t>A</a:t>
+              <a:t>X</a:t>
             </a:r>
+            <a:endParaRPr lang="en-US" sz="8000" dirty="0">
+              <a:solidFill>
+                <a:srgbClr val="C00000"/>
+              </a:solidFill>
+            </a:endParaRPr>
           </a:p>
         </p:txBody>
       </p:sp>
@@ -17656,13 +17916,18 @@
           <a:p>
             <a:pPr algn="ctr"/>
             <a:r>
-              <a:rPr lang="en-US" sz="8000" dirty="0">
+              <a:rPr lang="en-US" sz="8000" dirty="0" smtClean="0">
                 <a:solidFill>
                   <a:srgbClr val="C00000"/>
                 </a:solidFill>
               </a:rPr>
-              <a:t>B</a:t>
+              <a:t>Z</a:t>
             </a:r>
+            <a:endParaRPr lang="en-US" sz="8000" dirty="0">
+              <a:solidFill>
+                <a:srgbClr val="C00000"/>
+              </a:solidFill>
+            </a:endParaRPr>
           </a:p>
         </p:txBody>
       </p:sp>
@@ -17718,13 +17983,18 @@
           <a:p>
             <a:pPr algn="ctr"/>
             <a:r>
-              <a:rPr lang="en-US" sz="8000" dirty="0">
+              <a:rPr lang="en-US" sz="8000" dirty="0" smtClean="0">
                 <a:solidFill>
                   <a:srgbClr val="C00000"/>
                 </a:solidFill>
               </a:rPr>
-              <a:t>C</a:t>
+              <a:t>Y</a:t>
             </a:r>
+            <a:endParaRPr lang="en-US" sz="8000" dirty="0">
+              <a:solidFill>
+                <a:srgbClr val="C00000"/>
+              </a:solidFill>
+            </a:endParaRPr>
           </a:p>
         </p:txBody>
       </p:sp>
@@ -18002,13 +18272,18 @@
           <a:p>
             <a:pPr algn="ctr"/>
             <a:r>
-              <a:rPr lang="en-US" sz="8000" dirty="0">
+              <a:rPr lang="en-US" sz="8000" dirty="0" smtClean="0">
                 <a:solidFill>
                   <a:srgbClr val="C00000"/>
                 </a:solidFill>
               </a:rPr>
-              <a:t>A</a:t>
+              <a:t>X</a:t>
             </a:r>
+            <a:endParaRPr lang="en-US" sz="8000" dirty="0">
+              <a:solidFill>
+                <a:srgbClr val="C00000"/>
+              </a:solidFill>
+            </a:endParaRPr>
           </a:p>
         </p:txBody>
       </p:sp>
@@ -18064,13 +18339,18 @@
           <a:p>
             <a:pPr algn="ctr"/>
             <a:r>
-              <a:rPr lang="en-US" sz="8000" dirty="0">
+              <a:rPr lang="en-US" sz="8000" dirty="0" smtClean="0">
                 <a:solidFill>
                   <a:srgbClr val="C00000"/>
                 </a:solidFill>
               </a:rPr>
-              <a:t>B</a:t>
+              <a:t>Z</a:t>
             </a:r>
+            <a:endParaRPr lang="en-US" sz="8000" dirty="0">
+              <a:solidFill>
+                <a:srgbClr val="C00000"/>
+              </a:solidFill>
+            </a:endParaRPr>
           </a:p>
         </p:txBody>
       </p:sp>
@@ -18126,13 +18406,18 @@
           <a:p>
             <a:pPr algn="ctr"/>
             <a:r>
-              <a:rPr lang="en-US" sz="8000" dirty="0">
+              <a:rPr lang="en-US" sz="8000" dirty="0" smtClean="0">
                 <a:solidFill>
                   <a:srgbClr val="C00000"/>
                 </a:solidFill>
               </a:rPr>
-              <a:t>C</a:t>
+              <a:t>Y</a:t>
             </a:r>
+            <a:endParaRPr lang="en-US" sz="8000" dirty="0">
+              <a:solidFill>
+                <a:srgbClr val="C00000"/>
+              </a:solidFill>
+            </a:endParaRPr>
           </a:p>
         </p:txBody>
       </p:sp>
@@ -18410,13 +18695,18 @@
           <a:p>
             <a:pPr algn="ctr"/>
             <a:r>
-              <a:rPr lang="en-US" sz="8000" dirty="0">
+              <a:rPr lang="en-US" sz="8000" dirty="0" smtClean="0">
                 <a:solidFill>
                   <a:srgbClr val="C00000"/>
                 </a:solidFill>
               </a:rPr>
-              <a:t>A</a:t>
+              <a:t>X</a:t>
             </a:r>
+            <a:endParaRPr lang="en-US" sz="8000" dirty="0">
+              <a:solidFill>
+                <a:srgbClr val="C00000"/>
+              </a:solidFill>
+            </a:endParaRPr>
           </a:p>
         </p:txBody>
       </p:sp>
@@ -18472,13 +18762,18 @@
           <a:p>
             <a:pPr algn="ctr"/>
             <a:r>
-              <a:rPr lang="en-US" sz="8000" dirty="0">
+              <a:rPr lang="en-US" sz="8000" dirty="0" smtClean="0">
                 <a:solidFill>
                   <a:srgbClr val="C00000"/>
                 </a:solidFill>
               </a:rPr>
-              <a:t>B</a:t>
+              <a:t>Z</a:t>
             </a:r>
+            <a:endParaRPr lang="en-US" sz="8000" dirty="0">
+              <a:solidFill>
+                <a:srgbClr val="C00000"/>
+              </a:solidFill>
+            </a:endParaRPr>
           </a:p>
         </p:txBody>
       </p:sp>
@@ -18534,13 +18829,18 @@
           <a:p>
             <a:pPr algn="ctr"/>
             <a:r>
-              <a:rPr lang="en-US" sz="8000" dirty="0">
+              <a:rPr lang="en-US" sz="8000" dirty="0" smtClean="0">
                 <a:solidFill>
                   <a:srgbClr val="C00000"/>
                 </a:solidFill>
               </a:rPr>
-              <a:t>C</a:t>
+              <a:t>Y</a:t>
             </a:r>
+            <a:endParaRPr lang="en-US" sz="8000" dirty="0">
+              <a:solidFill>
+                <a:srgbClr val="C00000"/>
+              </a:solidFill>
+            </a:endParaRPr>
           </a:p>
         </p:txBody>
       </p:sp>
@@ -18818,13 +19118,18 @@
           <a:p>
             <a:pPr algn="ctr"/>
             <a:r>
-              <a:rPr lang="en-US" sz="8000" dirty="0">
+              <a:rPr lang="en-US" sz="8000" dirty="0" smtClean="0">
                 <a:solidFill>
                   <a:srgbClr val="C00000"/>
                 </a:solidFill>
               </a:rPr>
-              <a:t>A</a:t>
+              <a:t>X</a:t>
             </a:r>
+            <a:endParaRPr lang="en-US" sz="8000" dirty="0">
+              <a:solidFill>
+                <a:srgbClr val="C00000"/>
+              </a:solidFill>
+            </a:endParaRPr>
           </a:p>
         </p:txBody>
       </p:sp>
@@ -18880,13 +19185,18 @@
           <a:p>
             <a:pPr algn="ctr"/>
             <a:r>
-              <a:rPr lang="en-US" sz="8000" dirty="0">
+              <a:rPr lang="en-US" sz="8000" dirty="0" smtClean="0">
                 <a:solidFill>
                   <a:srgbClr val="C00000"/>
                 </a:solidFill>
               </a:rPr>
-              <a:t>B</a:t>
+              <a:t>Z</a:t>
             </a:r>
+            <a:endParaRPr lang="en-US" sz="8000" dirty="0">
+              <a:solidFill>
+                <a:srgbClr val="C00000"/>
+              </a:solidFill>
+            </a:endParaRPr>
           </a:p>
         </p:txBody>
       </p:sp>
@@ -18942,13 +19252,18 @@
           <a:p>
             <a:pPr algn="ctr"/>
             <a:r>
-              <a:rPr lang="en-US" sz="8000" dirty="0">
+              <a:rPr lang="en-US" sz="8000" dirty="0" smtClean="0">
                 <a:solidFill>
                   <a:srgbClr val="C00000"/>
                 </a:solidFill>
               </a:rPr>
-              <a:t>C</a:t>
+              <a:t>Y</a:t>
             </a:r>
+            <a:endParaRPr lang="en-US" sz="8000" dirty="0">
+              <a:solidFill>
+                <a:srgbClr val="C00000"/>
+              </a:solidFill>
+            </a:endParaRPr>
           </a:p>
         </p:txBody>
       </p:sp>
@@ -19231,13 +19546,18 @@
           <a:p>
             <a:pPr algn="ctr"/>
             <a:r>
-              <a:rPr lang="en-US" sz="8000" dirty="0">
+              <a:rPr lang="en-US" sz="8000" dirty="0" smtClean="0">
                 <a:solidFill>
                   <a:srgbClr val="C00000"/>
                 </a:solidFill>
               </a:rPr>
-              <a:t>A</a:t>
+              <a:t>X</a:t>
             </a:r>
+            <a:endParaRPr lang="en-US" sz="8000" dirty="0">
+              <a:solidFill>
+                <a:srgbClr val="C00000"/>
+              </a:solidFill>
+            </a:endParaRPr>
           </a:p>
         </p:txBody>
       </p:sp>
@@ -19293,13 +19613,18 @@
           <a:p>
             <a:pPr algn="ctr"/>
             <a:r>
-              <a:rPr lang="en-US" sz="8000" dirty="0">
+              <a:rPr lang="en-US" sz="8000" dirty="0" smtClean="0">
                 <a:solidFill>
                   <a:srgbClr val="C00000"/>
                 </a:solidFill>
               </a:rPr>
-              <a:t>B</a:t>
+              <a:t>Z</a:t>
             </a:r>
+            <a:endParaRPr lang="en-US" sz="8000" dirty="0">
+              <a:solidFill>
+                <a:srgbClr val="C00000"/>
+              </a:solidFill>
+            </a:endParaRPr>
           </a:p>
         </p:txBody>
       </p:sp>
@@ -19355,13 +19680,18 @@
           <a:p>
             <a:pPr algn="ctr"/>
             <a:r>
-              <a:rPr lang="en-US" sz="8000" dirty="0">
+              <a:rPr lang="en-US" sz="8000" dirty="0" smtClean="0">
                 <a:solidFill>
                   <a:srgbClr val="C00000"/>
                 </a:solidFill>
               </a:rPr>
-              <a:t>C</a:t>
+              <a:t>Y</a:t>
             </a:r>
+            <a:endParaRPr lang="en-US" sz="8000" dirty="0">
+              <a:solidFill>
+                <a:srgbClr val="C00000"/>
+              </a:solidFill>
+            </a:endParaRPr>
           </a:p>
         </p:txBody>
       </p:sp>
@@ -19641,13 +19971,18 @@
           <a:p>
             <a:pPr algn="ctr"/>
             <a:r>
-              <a:rPr lang="en-US" sz="8000" dirty="0">
+              <a:rPr lang="en-US" sz="8000" dirty="0" smtClean="0">
                 <a:solidFill>
                   <a:srgbClr val="C00000"/>
                 </a:solidFill>
               </a:rPr>
-              <a:t>A</a:t>
+              <a:t>X</a:t>
             </a:r>
+            <a:endParaRPr lang="en-US" sz="8000" dirty="0">
+              <a:solidFill>
+                <a:srgbClr val="C00000"/>
+              </a:solidFill>
+            </a:endParaRPr>
           </a:p>
         </p:txBody>
       </p:sp>
@@ -19703,13 +20038,18 @@
           <a:p>
             <a:pPr algn="ctr"/>
             <a:r>
-              <a:rPr lang="en-US" sz="8000" dirty="0">
+              <a:rPr lang="en-US" sz="8000" smtClean="0">
                 <a:solidFill>
                   <a:srgbClr val="C00000"/>
                 </a:solidFill>
               </a:rPr>
-              <a:t>B</a:t>
+              <a:t>Z</a:t>
             </a:r>
+            <a:endParaRPr lang="en-US" sz="8000" dirty="0">
+              <a:solidFill>
+                <a:srgbClr val="C00000"/>
+              </a:solidFill>
+            </a:endParaRPr>
           </a:p>
         </p:txBody>
       </p:sp>
@@ -19765,13 +20105,18 @@
           <a:p>
             <a:pPr algn="ctr"/>
             <a:r>
-              <a:rPr lang="en-US" sz="8000" dirty="0">
+              <a:rPr lang="en-US" sz="8000" dirty="0" smtClean="0">
                 <a:solidFill>
                   <a:srgbClr val="C00000"/>
                 </a:solidFill>
               </a:rPr>
-              <a:t>C</a:t>
+              <a:t>Y</a:t>
             </a:r>
+            <a:endParaRPr lang="en-US" sz="8000" dirty="0">
+              <a:solidFill>
+                <a:srgbClr val="C00000"/>
+              </a:solidFill>
+            </a:endParaRPr>
           </a:p>
         </p:txBody>
       </p:sp>
@@ -20054,13 +20399,18 @@
           <a:p>
             <a:pPr algn="ctr"/>
             <a:r>
-              <a:rPr lang="en-US" sz="8000" dirty="0">
+              <a:rPr lang="en-US" sz="8000" dirty="0" smtClean="0">
                 <a:solidFill>
                   <a:srgbClr val="C00000"/>
                 </a:solidFill>
               </a:rPr>
-              <a:t>A</a:t>
+              <a:t>X</a:t>
             </a:r>
+            <a:endParaRPr lang="en-US" sz="8000" dirty="0">
+              <a:solidFill>
+                <a:srgbClr val="C00000"/>
+              </a:solidFill>
+            </a:endParaRPr>
           </a:p>
         </p:txBody>
       </p:sp>
@@ -20116,13 +20466,18 @@
           <a:p>
             <a:pPr algn="ctr"/>
             <a:r>
-              <a:rPr lang="en-US" sz="8000" dirty="0">
+              <a:rPr lang="en-US" sz="8000" dirty="0" smtClean="0">
                 <a:solidFill>
                   <a:srgbClr val="C00000"/>
                 </a:solidFill>
               </a:rPr>
-              <a:t>B</a:t>
+              <a:t>Z</a:t>
             </a:r>
+            <a:endParaRPr lang="en-US" sz="8000" dirty="0">
+              <a:solidFill>
+                <a:srgbClr val="C00000"/>
+              </a:solidFill>
+            </a:endParaRPr>
           </a:p>
         </p:txBody>
       </p:sp>
@@ -20178,13 +20533,18 @@
           <a:p>
             <a:pPr algn="ctr"/>
             <a:r>
-              <a:rPr lang="en-US" sz="8000" dirty="0">
+              <a:rPr lang="en-US" sz="8000" dirty="0" smtClean="0">
                 <a:solidFill>
                   <a:srgbClr val="C00000"/>
                 </a:solidFill>
               </a:rPr>
-              <a:t>C</a:t>
+              <a:t>Y</a:t>
             </a:r>
+            <a:endParaRPr lang="en-US" sz="8000" dirty="0">
+              <a:solidFill>
+                <a:srgbClr val="C00000"/>
+              </a:solidFill>
+            </a:endParaRPr>
           </a:p>
         </p:txBody>
       </p:sp>
@@ -20464,13 +20824,18 @@
           <a:p>
             <a:pPr algn="ctr"/>
             <a:r>
-              <a:rPr lang="en-US" sz="8000" dirty="0">
+              <a:rPr lang="en-US" sz="8000" dirty="0" smtClean="0">
                 <a:solidFill>
                   <a:srgbClr val="C00000"/>
                 </a:solidFill>
               </a:rPr>
-              <a:t>A</a:t>
+              <a:t>X</a:t>
             </a:r>
+            <a:endParaRPr lang="en-US" sz="8000" dirty="0">
+              <a:solidFill>
+                <a:srgbClr val="C00000"/>
+              </a:solidFill>
+            </a:endParaRPr>
           </a:p>
         </p:txBody>
       </p:sp>
@@ -20526,13 +20891,18 @@
           <a:p>
             <a:pPr algn="ctr"/>
             <a:r>
-              <a:rPr lang="en-US" sz="8000" dirty="0">
+              <a:rPr lang="en-US" sz="8000" dirty="0" smtClean="0">
                 <a:solidFill>
                   <a:srgbClr val="C00000"/>
                 </a:solidFill>
               </a:rPr>
-              <a:t>B</a:t>
+              <a:t>Z</a:t>
             </a:r>
+            <a:endParaRPr lang="en-US" sz="8000" dirty="0">
+              <a:solidFill>
+                <a:srgbClr val="C00000"/>
+              </a:solidFill>
+            </a:endParaRPr>
           </a:p>
         </p:txBody>
       </p:sp>
@@ -20588,13 +20958,18 @@
           <a:p>
             <a:pPr algn="ctr"/>
             <a:r>
-              <a:rPr lang="en-US" sz="8000" dirty="0">
+              <a:rPr lang="en-US" sz="8000" dirty="0" smtClean="0">
                 <a:solidFill>
                   <a:srgbClr val="C00000"/>
                 </a:solidFill>
               </a:rPr>
-              <a:t>C</a:t>
+              <a:t>Y</a:t>
             </a:r>
+            <a:endParaRPr lang="en-US" sz="8000" dirty="0">
+              <a:solidFill>
+                <a:srgbClr val="C00000"/>
+              </a:solidFill>
+            </a:endParaRPr>
           </a:p>
         </p:txBody>
       </p:sp>
@@ -20874,13 +21249,18 @@
           <a:p>
             <a:pPr algn="ctr"/>
             <a:r>
-              <a:rPr lang="en-US" sz="8000" dirty="0">
+              <a:rPr lang="en-US" sz="8000" dirty="0" smtClean="0">
                 <a:solidFill>
                   <a:srgbClr val="C00000"/>
                 </a:solidFill>
               </a:rPr>
-              <a:t>A</a:t>
+              <a:t>X</a:t>
             </a:r>
+            <a:endParaRPr lang="en-US" sz="8000" dirty="0">
+              <a:solidFill>
+                <a:srgbClr val="C00000"/>
+              </a:solidFill>
+            </a:endParaRPr>
           </a:p>
         </p:txBody>
       </p:sp>
@@ -20936,13 +21316,18 @@
           <a:p>
             <a:pPr algn="ctr"/>
             <a:r>
-              <a:rPr lang="en-US" sz="8000" dirty="0">
+              <a:rPr lang="en-US" sz="8000" dirty="0" smtClean="0">
                 <a:solidFill>
                   <a:srgbClr val="C00000"/>
                 </a:solidFill>
               </a:rPr>
-              <a:t>B</a:t>
+              <a:t>Z</a:t>
             </a:r>
+            <a:endParaRPr lang="en-US" sz="8000" dirty="0">
+              <a:solidFill>
+                <a:srgbClr val="C00000"/>
+              </a:solidFill>
+            </a:endParaRPr>
           </a:p>
         </p:txBody>
       </p:sp>
@@ -20998,13 +21383,18 @@
           <a:p>
             <a:pPr algn="ctr"/>
             <a:r>
-              <a:rPr lang="en-US" sz="8000" dirty="0">
+              <a:rPr lang="en-US" sz="8000" dirty="0" smtClean="0">
                 <a:solidFill>
                   <a:srgbClr val="C00000"/>
                 </a:solidFill>
               </a:rPr>
-              <a:t>C</a:t>
+              <a:t>Y</a:t>
             </a:r>
+            <a:endParaRPr lang="en-US" sz="8000" dirty="0">
+              <a:solidFill>
+                <a:srgbClr val="C00000"/>
+              </a:solidFill>
+            </a:endParaRPr>
           </a:p>
         </p:txBody>
       </p:sp>
@@ -21284,13 +21674,18 @@
           <a:p>
             <a:pPr algn="ctr"/>
             <a:r>
-              <a:rPr lang="en-US" sz="8000" dirty="0">
+              <a:rPr lang="en-US" sz="8000" dirty="0" smtClean="0">
                 <a:solidFill>
                   <a:srgbClr val="C00000"/>
                 </a:solidFill>
               </a:rPr>
-              <a:t>A</a:t>
+              <a:t>X</a:t>
             </a:r>
+            <a:endParaRPr lang="en-US" sz="8000" dirty="0">
+              <a:solidFill>
+                <a:srgbClr val="C00000"/>
+              </a:solidFill>
+            </a:endParaRPr>
           </a:p>
         </p:txBody>
       </p:sp>
@@ -21346,13 +21741,18 @@
           <a:p>
             <a:pPr algn="ctr"/>
             <a:r>
-              <a:rPr lang="en-US" sz="8000" dirty="0">
+              <a:rPr lang="en-US" sz="8000" dirty="0" smtClean="0">
                 <a:solidFill>
                   <a:srgbClr val="C00000"/>
                 </a:solidFill>
               </a:rPr>
-              <a:t>B</a:t>
+              <a:t>Z</a:t>
             </a:r>
+            <a:endParaRPr lang="en-US" sz="8000" dirty="0">
+              <a:solidFill>
+                <a:srgbClr val="C00000"/>
+              </a:solidFill>
+            </a:endParaRPr>
           </a:p>
         </p:txBody>
       </p:sp>
@@ -21408,13 +21808,18 @@
           <a:p>
             <a:pPr algn="ctr"/>
             <a:r>
-              <a:rPr lang="en-US" sz="8000" dirty="0">
+              <a:rPr lang="en-US" sz="8000" dirty="0" smtClean="0">
                 <a:solidFill>
                   <a:srgbClr val="C00000"/>
                 </a:solidFill>
               </a:rPr>
-              <a:t>C</a:t>
+              <a:t>Y</a:t>
             </a:r>
+            <a:endParaRPr lang="en-US" sz="8000" dirty="0">
+              <a:solidFill>
+                <a:srgbClr val="C00000"/>
+              </a:solidFill>
+            </a:endParaRPr>
           </a:p>
         </p:txBody>
       </p:sp>
@@ -21694,13 +22099,18 @@
           <a:p>
             <a:pPr algn="ctr"/>
             <a:r>
-              <a:rPr lang="en-US" sz="8000" dirty="0">
+              <a:rPr lang="en-US" sz="8000" dirty="0" smtClean="0">
                 <a:solidFill>
                   <a:srgbClr val="C00000"/>
                 </a:solidFill>
               </a:rPr>
-              <a:t>A</a:t>
+              <a:t>X</a:t>
             </a:r>
+            <a:endParaRPr lang="en-US" sz="8000" dirty="0">
+              <a:solidFill>
+                <a:srgbClr val="C00000"/>
+              </a:solidFill>
+            </a:endParaRPr>
           </a:p>
         </p:txBody>
       </p:sp>
@@ -21756,13 +22166,18 @@
           <a:p>
             <a:pPr algn="ctr"/>
             <a:r>
-              <a:rPr lang="en-US" sz="8000" dirty="0">
+              <a:rPr lang="en-US" sz="8000" dirty="0" smtClean="0">
                 <a:solidFill>
                   <a:srgbClr val="C00000"/>
                 </a:solidFill>
               </a:rPr>
-              <a:t>B</a:t>
+              <a:t>Z</a:t>
             </a:r>
+            <a:endParaRPr lang="en-US" sz="8000" dirty="0">
+              <a:solidFill>
+                <a:srgbClr val="C00000"/>
+              </a:solidFill>
+            </a:endParaRPr>
           </a:p>
         </p:txBody>
       </p:sp>
@@ -21818,13 +22233,18 @@
           <a:p>
             <a:pPr algn="ctr"/>
             <a:r>
-              <a:rPr lang="en-US" sz="8000" dirty="0">
+              <a:rPr lang="en-US" sz="8000" dirty="0" smtClean="0">
                 <a:solidFill>
                   <a:srgbClr val="C00000"/>
                 </a:solidFill>
               </a:rPr>
-              <a:t>C</a:t>
+              <a:t>Y</a:t>
             </a:r>
+            <a:endParaRPr lang="en-US" sz="8000" dirty="0">
+              <a:solidFill>
+                <a:srgbClr val="C00000"/>
+              </a:solidFill>
+            </a:endParaRPr>
           </a:p>
         </p:txBody>
       </p:sp>
@@ -22101,13 +22521,18 @@
           <a:p>
             <a:pPr algn="ctr"/>
             <a:r>
-              <a:rPr lang="en-US" sz="8000" dirty="0">
+              <a:rPr lang="en-US" sz="8000" dirty="0" smtClean="0">
                 <a:solidFill>
                   <a:srgbClr val="C00000"/>
                 </a:solidFill>
               </a:rPr>
-              <a:t>A</a:t>
+              <a:t>X</a:t>
             </a:r>
+            <a:endParaRPr lang="en-US" sz="8000" dirty="0">
+              <a:solidFill>
+                <a:srgbClr val="C00000"/>
+              </a:solidFill>
+            </a:endParaRPr>
           </a:p>
         </p:txBody>
       </p:sp>
@@ -22163,13 +22588,18 @@
           <a:p>
             <a:pPr algn="ctr"/>
             <a:r>
-              <a:rPr lang="en-US" sz="8000" dirty="0">
+              <a:rPr lang="en-US" sz="8000" dirty="0" smtClean="0">
                 <a:solidFill>
                   <a:srgbClr val="C00000"/>
                 </a:solidFill>
               </a:rPr>
-              <a:t>B</a:t>
+              <a:t>Z</a:t>
             </a:r>
+            <a:endParaRPr lang="en-US" sz="8000" dirty="0">
+              <a:solidFill>
+                <a:srgbClr val="C00000"/>
+              </a:solidFill>
+            </a:endParaRPr>
           </a:p>
         </p:txBody>
       </p:sp>
@@ -22225,13 +22655,18 @@
           <a:p>
             <a:pPr algn="ctr"/>
             <a:r>
-              <a:rPr lang="en-US" sz="8000" dirty="0">
+              <a:rPr lang="en-US" sz="8000" dirty="0" smtClean="0">
                 <a:solidFill>
                   <a:srgbClr val="C00000"/>
                 </a:solidFill>
               </a:rPr>
-              <a:t>C</a:t>
+              <a:t>Y</a:t>
             </a:r>
+            <a:endParaRPr lang="en-US" sz="8000" dirty="0">
+              <a:solidFill>
+                <a:srgbClr val="C00000"/>
+              </a:solidFill>
+            </a:endParaRPr>
           </a:p>
         </p:txBody>
       </p:sp>
@@ -22508,13 +22943,18 @@
           <a:p>
             <a:pPr algn="ctr"/>
             <a:r>
-              <a:rPr lang="en-US" sz="8000" dirty="0">
+              <a:rPr lang="en-US" sz="8000" dirty="0" smtClean="0">
                 <a:solidFill>
                   <a:srgbClr val="C00000"/>
                 </a:solidFill>
               </a:rPr>
-              <a:t>A</a:t>
+              <a:t>X</a:t>
             </a:r>
+            <a:endParaRPr lang="en-US" sz="8000" dirty="0">
+              <a:solidFill>
+                <a:srgbClr val="C00000"/>
+              </a:solidFill>
+            </a:endParaRPr>
           </a:p>
         </p:txBody>
       </p:sp>
@@ -22570,13 +23010,18 @@
           <a:p>
             <a:pPr algn="ctr"/>
             <a:r>
-              <a:rPr lang="en-US" sz="8000" dirty="0">
+              <a:rPr lang="en-US" sz="8000" dirty="0" smtClean="0">
                 <a:solidFill>
                   <a:srgbClr val="C00000"/>
                 </a:solidFill>
               </a:rPr>
-              <a:t>B</a:t>
+              <a:t>Z</a:t>
             </a:r>
+            <a:endParaRPr lang="en-US" sz="8000" dirty="0">
+              <a:solidFill>
+                <a:srgbClr val="C00000"/>
+              </a:solidFill>
+            </a:endParaRPr>
           </a:p>
         </p:txBody>
       </p:sp>
@@ -22632,13 +23077,18 @@
           <a:p>
             <a:pPr algn="ctr"/>
             <a:r>
-              <a:rPr lang="en-US" sz="8000" dirty="0">
+              <a:rPr lang="en-US" sz="8000" dirty="0" smtClean="0">
                 <a:solidFill>
                   <a:srgbClr val="C00000"/>
                 </a:solidFill>
               </a:rPr>
-              <a:t>C</a:t>
+              <a:t>Y</a:t>
             </a:r>
+            <a:endParaRPr lang="en-US" sz="8000" dirty="0">
+              <a:solidFill>
+                <a:srgbClr val="C00000"/>
+              </a:solidFill>
+            </a:endParaRPr>
           </a:p>
         </p:txBody>
       </p:sp>
@@ -22915,13 +23365,18 @@
           <a:p>
             <a:pPr algn="ctr"/>
             <a:r>
-              <a:rPr lang="en-US" sz="8000" dirty="0">
+              <a:rPr lang="en-US" sz="8000" dirty="0" smtClean="0">
                 <a:solidFill>
                   <a:srgbClr val="C00000"/>
                 </a:solidFill>
               </a:rPr>
-              <a:t>A</a:t>
+              <a:t>X</a:t>
             </a:r>
+            <a:endParaRPr lang="en-US" sz="8000" dirty="0">
+              <a:solidFill>
+                <a:srgbClr val="C00000"/>
+              </a:solidFill>
+            </a:endParaRPr>
           </a:p>
         </p:txBody>
       </p:sp>
@@ -22977,13 +23432,18 @@
           <a:p>
             <a:pPr algn="ctr"/>
             <a:r>
-              <a:rPr lang="en-US" sz="8000" dirty="0">
+              <a:rPr lang="en-US" sz="8000" dirty="0" smtClean="0">
                 <a:solidFill>
                   <a:srgbClr val="C00000"/>
                 </a:solidFill>
               </a:rPr>
-              <a:t>B</a:t>
+              <a:t>Z</a:t>
             </a:r>
+            <a:endParaRPr lang="en-US" sz="8000" dirty="0">
+              <a:solidFill>
+                <a:srgbClr val="C00000"/>
+              </a:solidFill>
+            </a:endParaRPr>
           </a:p>
         </p:txBody>
       </p:sp>
@@ -23039,13 +23499,18 @@
           <a:p>
             <a:pPr algn="ctr"/>
             <a:r>
-              <a:rPr lang="en-US" sz="8000" dirty="0">
+              <a:rPr lang="en-US" sz="8000" dirty="0" smtClean="0">
                 <a:solidFill>
                   <a:srgbClr val="C00000"/>
                 </a:solidFill>
               </a:rPr>
-              <a:t>C</a:t>
+              <a:t>Y</a:t>
             </a:r>
+            <a:endParaRPr lang="en-US" sz="8000" dirty="0">
+              <a:solidFill>
+                <a:srgbClr val="C00000"/>
+              </a:solidFill>
+            </a:endParaRPr>
           </a:p>
         </p:txBody>
       </p:sp>
@@ -23325,13 +23790,18 @@
           <a:p>
             <a:pPr algn="ctr"/>
             <a:r>
-              <a:rPr lang="en-US" sz="8000" dirty="0">
+              <a:rPr lang="en-US" sz="8000" dirty="0" smtClean="0">
                 <a:solidFill>
                   <a:srgbClr val="C00000"/>
                 </a:solidFill>
               </a:rPr>
-              <a:t>A</a:t>
+              <a:t>X</a:t>
             </a:r>
+            <a:endParaRPr lang="en-US" sz="8000" dirty="0">
+              <a:solidFill>
+                <a:srgbClr val="C00000"/>
+              </a:solidFill>
+            </a:endParaRPr>
           </a:p>
         </p:txBody>
       </p:sp>
@@ -23387,13 +23857,18 @@
           <a:p>
             <a:pPr algn="ctr"/>
             <a:r>
-              <a:rPr lang="en-US" sz="8000" dirty="0">
+              <a:rPr lang="en-US" sz="8000" dirty="0" smtClean="0">
                 <a:solidFill>
                   <a:srgbClr val="C00000"/>
                 </a:solidFill>
               </a:rPr>
-              <a:t>B</a:t>
+              <a:t>Z</a:t>
             </a:r>
+            <a:endParaRPr lang="en-US" sz="8000" dirty="0">
+              <a:solidFill>
+                <a:srgbClr val="C00000"/>
+              </a:solidFill>
+            </a:endParaRPr>
           </a:p>
         </p:txBody>
       </p:sp>
@@ -23449,13 +23924,18 @@
           <a:p>
             <a:pPr algn="ctr"/>
             <a:r>
-              <a:rPr lang="en-US" sz="8000" dirty="0">
+              <a:rPr lang="en-US" sz="8000" dirty="0" smtClean="0">
                 <a:solidFill>
                   <a:srgbClr val="C00000"/>
                 </a:solidFill>
               </a:rPr>
-              <a:t>C</a:t>
+              <a:t>Y</a:t>
             </a:r>
+            <a:endParaRPr lang="en-US" sz="8000" dirty="0">
+              <a:solidFill>
+                <a:srgbClr val="C00000"/>
+              </a:solidFill>
+            </a:endParaRPr>
           </a:p>
         </p:txBody>
       </p:sp>
@@ -23733,13 +24213,18 @@
           <a:p>
             <a:pPr algn="ctr"/>
             <a:r>
-              <a:rPr lang="en-US" sz="8000" dirty="0">
+              <a:rPr lang="en-US" sz="8000" dirty="0" smtClean="0">
                 <a:solidFill>
                   <a:srgbClr val="C00000"/>
                 </a:solidFill>
               </a:rPr>
-              <a:t>A</a:t>
+              <a:t>X</a:t>
             </a:r>
+            <a:endParaRPr lang="en-US" sz="8000" dirty="0">
+              <a:solidFill>
+                <a:srgbClr val="C00000"/>
+              </a:solidFill>
+            </a:endParaRPr>
           </a:p>
         </p:txBody>
       </p:sp>
@@ -23795,13 +24280,18 @@
           <a:p>
             <a:pPr algn="ctr"/>
             <a:r>
-              <a:rPr lang="en-US" sz="8000" dirty="0">
+              <a:rPr lang="en-US" sz="8000" dirty="0" smtClean="0">
                 <a:solidFill>
                   <a:srgbClr val="C00000"/>
                 </a:solidFill>
               </a:rPr>
-              <a:t>B</a:t>
+              <a:t>Z</a:t>
             </a:r>
+            <a:endParaRPr lang="en-US" sz="8000" dirty="0">
+              <a:solidFill>
+                <a:srgbClr val="C00000"/>
+              </a:solidFill>
+            </a:endParaRPr>
           </a:p>
         </p:txBody>
       </p:sp>
@@ -23857,13 +24347,18 @@
           <a:p>
             <a:pPr algn="ctr"/>
             <a:r>
-              <a:rPr lang="en-US" sz="8000" dirty="0">
+              <a:rPr lang="en-US" sz="8000" dirty="0" smtClean="0">
                 <a:solidFill>
                   <a:srgbClr val="C00000"/>
                 </a:solidFill>
               </a:rPr>
-              <a:t>C</a:t>
+              <a:t>Y</a:t>
             </a:r>
+            <a:endParaRPr lang="en-US" sz="8000" dirty="0">
+              <a:solidFill>
+                <a:srgbClr val="C00000"/>
+              </a:solidFill>
+            </a:endParaRPr>
           </a:p>
         </p:txBody>
       </p:sp>
@@ -24141,13 +24636,18 @@
           <a:p>
             <a:pPr algn="ctr"/>
             <a:r>
-              <a:rPr lang="en-US" sz="8000" dirty="0">
+              <a:rPr lang="en-US" sz="8000" dirty="0" smtClean="0">
                 <a:solidFill>
                   <a:srgbClr val="C00000"/>
                 </a:solidFill>
               </a:rPr>
-              <a:t>A</a:t>
+              <a:t>X</a:t>
             </a:r>
+            <a:endParaRPr lang="en-US" sz="8000" dirty="0">
+              <a:solidFill>
+                <a:srgbClr val="C00000"/>
+              </a:solidFill>
+            </a:endParaRPr>
           </a:p>
         </p:txBody>
       </p:sp>
@@ -24203,13 +24703,18 @@
           <a:p>
             <a:pPr algn="ctr"/>
             <a:r>
-              <a:rPr lang="en-US" sz="8000" dirty="0">
+              <a:rPr lang="en-US" sz="8000" smtClean="0">
                 <a:solidFill>
                   <a:srgbClr val="C00000"/>
                 </a:solidFill>
               </a:rPr>
-              <a:t>B</a:t>
+              <a:t>Z</a:t>
             </a:r>
+            <a:endParaRPr lang="en-US" sz="8000" dirty="0">
+              <a:solidFill>
+                <a:srgbClr val="C00000"/>
+              </a:solidFill>
+            </a:endParaRPr>
           </a:p>
         </p:txBody>
       </p:sp>
@@ -24265,13 +24770,18 @@
           <a:p>
             <a:pPr algn="ctr"/>
             <a:r>
-              <a:rPr lang="en-US" sz="8000" dirty="0">
+              <a:rPr lang="en-US" sz="8000" dirty="0" smtClean="0">
                 <a:solidFill>
                   <a:srgbClr val="C00000"/>
                 </a:solidFill>
               </a:rPr>
-              <a:t>C</a:t>
+              <a:t>Y</a:t>
             </a:r>
+            <a:endParaRPr lang="en-US" sz="8000" dirty="0">
+              <a:solidFill>
+                <a:srgbClr val="C00000"/>
+              </a:solidFill>
+            </a:endParaRPr>
           </a:p>
         </p:txBody>
       </p:sp>
@@ -24554,13 +25064,18 @@
           <a:p>
             <a:pPr algn="ctr"/>
             <a:r>
-              <a:rPr lang="en-US" sz="8000" dirty="0">
+              <a:rPr lang="en-US" sz="8000" dirty="0" smtClean="0">
                 <a:solidFill>
                   <a:srgbClr val="C00000"/>
                 </a:solidFill>
               </a:rPr>
-              <a:t>A</a:t>
+              <a:t>X</a:t>
             </a:r>
+            <a:endParaRPr lang="en-US" sz="8000" dirty="0">
+              <a:solidFill>
+                <a:srgbClr val="C00000"/>
+              </a:solidFill>
+            </a:endParaRPr>
           </a:p>
         </p:txBody>
       </p:sp>
@@ -24616,13 +25131,18 @@
           <a:p>
             <a:pPr algn="ctr"/>
             <a:r>
-              <a:rPr lang="en-US" sz="8000" dirty="0">
+              <a:rPr lang="en-US" sz="8000" dirty="0" smtClean="0">
                 <a:solidFill>
                   <a:srgbClr val="C00000"/>
                 </a:solidFill>
               </a:rPr>
-              <a:t>B</a:t>
+              <a:t>Z</a:t>
             </a:r>
+            <a:endParaRPr lang="en-US" sz="8000" dirty="0">
+              <a:solidFill>
+                <a:srgbClr val="C00000"/>
+              </a:solidFill>
+            </a:endParaRPr>
           </a:p>
         </p:txBody>
       </p:sp>
@@ -24678,13 +25198,18 @@
           <a:p>
             <a:pPr algn="ctr"/>
             <a:r>
-              <a:rPr lang="en-US" sz="8000" dirty="0">
+              <a:rPr lang="en-US" sz="8000" dirty="0" smtClean="0">
                 <a:solidFill>
                   <a:srgbClr val="C00000"/>
                 </a:solidFill>
               </a:rPr>
-              <a:t>C</a:t>
+              <a:t>Y</a:t>
             </a:r>
+            <a:endParaRPr lang="en-US" sz="8000" dirty="0">
+              <a:solidFill>
+                <a:srgbClr val="C00000"/>
+              </a:solidFill>
+            </a:endParaRPr>
           </a:p>
         </p:txBody>
       </p:sp>
@@ -24962,13 +25487,18 @@
           <a:p>
             <a:pPr algn="ctr"/>
             <a:r>
-              <a:rPr lang="en-US" sz="8000" dirty="0">
+              <a:rPr lang="en-US" sz="8000" dirty="0" smtClean="0">
                 <a:solidFill>
                   <a:srgbClr val="C00000"/>
                 </a:solidFill>
               </a:rPr>
-              <a:t>A</a:t>
+              <a:t>X</a:t>
             </a:r>
+            <a:endParaRPr lang="en-US" sz="8000" dirty="0">
+              <a:solidFill>
+                <a:srgbClr val="C00000"/>
+              </a:solidFill>
+            </a:endParaRPr>
           </a:p>
         </p:txBody>
       </p:sp>
@@ -25024,13 +25554,18 @@
           <a:p>
             <a:pPr algn="ctr"/>
             <a:r>
-              <a:rPr lang="en-US" sz="8000" dirty="0">
+              <a:rPr lang="en-US" sz="8000" dirty="0" smtClean="0">
                 <a:solidFill>
                   <a:srgbClr val="C00000"/>
                 </a:solidFill>
               </a:rPr>
-              <a:t>B</a:t>
+              <a:t>Z</a:t>
             </a:r>
+            <a:endParaRPr lang="en-US" sz="8000" dirty="0">
+              <a:solidFill>
+                <a:srgbClr val="C00000"/>
+              </a:solidFill>
+            </a:endParaRPr>
           </a:p>
         </p:txBody>
       </p:sp>
@@ -25086,13 +25621,18 @@
           <a:p>
             <a:pPr algn="ctr"/>
             <a:r>
-              <a:rPr lang="en-US" sz="8000" dirty="0">
+              <a:rPr lang="en-US" sz="8000" dirty="0" smtClean="0">
                 <a:solidFill>
                   <a:srgbClr val="C00000"/>
                 </a:solidFill>
               </a:rPr>
-              <a:t>C</a:t>
+              <a:t>Y</a:t>
             </a:r>
+            <a:endParaRPr lang="en-US" sz="8000" dirty="0">
+              <a:solidFill>
+                <a:srgbClr val="C00000"/>
+              </a:solidFill>
+            </a:endParaRPr>
           </a:p>
         </p:txBody>
       </p:sp>
@@ -25370,13 +25910,18 @@
           <a:p>
             <a:pPr algn="ctr"/>
             <a:r>
-              <a:rPr lang="en-US" sz="8000" dirty="0">
+              <a:rPr lang="en-US" sz="8000" dirty="0" smtClean="0">
                 <a:solidFill>
                   <a:srgbClr val="C00000"/>
                 </a:solidFill>
               </a:rPr>
-              <a:t>A</a:t>
+              <a:t>X</a:t>
             </a:r>
+            <a:endParaRPr lang="en-US" sz="8000" dirty="0">
+              <a:solidFill>
+                <a:srgbClr val="C00000"/>
+              </a:solidFill>
+            </a:endParaRPr>
           </a:p>
         </p:txBody>
       </p:sp>
@@ -25432,13 +25977,18 @@
           <a:p>
             <a:pPr algn="ctr"/>
             <a:r>
-              <a:rPr lang="en-US" sz="8000" dirty="0">
+              <a:rPr lang="en-US" sz="8000" dirty="0" smtClean="0">
                 <a:solidFill>
                   <a:srgbClr val="C00000"/>
                 </a:solidFill>
               </a:rPr>
-              <a:t>B</a:t>
+              <a:t>Z</a:t>
             </a:r>
+            <a:endParaRPr lang="en-US" sz="8000" dirty="0">
+              <a:solidFill>
+                <a:srgbClr val="C00000"/>
+              </a:solidFill>
+            </a:endParaRPr>
           </a:p>
         </p:txBody>
       </p:sp>
@@ -25494,13 +26044,18 @@
           <a:p>
             <a:pPr algn="ctr"/>
             <a:r>
-              <a:rPr lang="en-US" sz="8000" dirty="0">
+              <a:rPr lang="en-US" sz="8000" dirty="0" smtClean="0">
                 <a:solidFill>
                   <a:srgbClr val="C00000"/>
                 </a:solidFill>
               </a:rPr>
-              <a:t>C</a:t>
+              <a:t>Y</a:t>
             </a:r>
+            <a:endParaRPr lang="en-US" sz="8000" dirty="0">
+              <a:solidFill>
+                <a:srgbClr val="C00000"/>
+              </a:solidFill>
+            </a:endParaRPr>
           </a:p>
         </p:txBody>
       </p:sp>
@@ -25778,13 +26333,18 @@
           <a:p>
             <a:pPr algn="ctr"/>
             <a:r>
-              <a:rPr lang="en-US" sz="8000" dirty="0">
+              <a:rPr lang="en-US" sz="8000" dirty="0" smtClean="0">
                 <a:solidFill>
                   <a:srgbClr val="C00000"/>
                 </a:solidFill>
               </a:rPr>
-              <a:t>A</a:t>
+              <a:t>X</a:t>
             </a:r>
+            <a:endParaRPr lang="en-US" sz="8000" dirty="0">
+              <a:solidFill>
+                <a:srgbClr val="C00000"/>
+              </a:solidFill>
+            </a:endParaRPr>
           </a:p>
         </p:txBody>
       </p:sp>
@@ -25840,13 +26400,18 @@
           <a:p>
             <a:pPr algn="ctr"/>
             <a:r>
-              <a:rPr lang="en-US" sz="8000" dirty="0">
+              <a:rPr lang="en-US" sz="8000" dirty="0" smtClean="0">
                 <a:solidFill>
                   <a:srgbClr val="C00000"/>
                 </a:solidFill>
               </a:rPr>
-              <a:t>B</a:t>
+              <a:t>Z</a:t>
             </a:r>
+            <a:endParaRPr lang="en-US" sz="8000" dirty="0">
+              <a:solidFill>
+                <a:srgbClr val="C00000"/>
+              </a:solidFill>
+            </a:endParaRPr>
           </a:p>
         </p:txBody>
       </p:sp>
@@ -25902,13 +26467,18 @@
           <a:p>
             <a:pPr algn="ctr"/>
             <a:r>
-              <a:rPr lang="en-US" sz="8000" dirty="0">
+              <a:rPr lang="en-US" sz="8000" dirty="0" smtClean="0">
                 <a:solidFill>
                   <a:srgbClr val="C00000"/>
                 </a:solidFill>
               </a:rPr>
-              <a:t>C</a:t>
+              <a:t>Y</a:t>
             </a:r>
+            <a:endParaRPr lang="en-US" sz="8000" dirty="0">
+              <a:solidFill>
+                <a:srgbClr val="C00000"/>
+              </a:solidFill>
+            </a:endParaRPr>
           </a:p>
         </p:txBody>
       </p:sp>
@@ -26183,13 +26753,18 @@
           <a:p>
             <a:pPr algn="ctr"/>
             <a:r>
-              <a:rPr lang="en-US" sz="8000" dirty="0">
+              <a:rPr lang="en-US" sz="8000" dirty="0" smtClean="0">
                 <a:solidFill>
                   <a:srgbClr val="C00000"/>
                 </a:solidFill>
               </a:rPr>
-              <a:t>A</a:t>
+              <a:t>X</a:t>
             </a:r>
+            <a:endParaRPr lang="en-US" sz="8000" dirty="0">
+              <a:solidFill>
+                <a:srgbClr val="C00000"/>
+              </a:solidFill>
+            </a:endParaRPr>
           </a:p>
         </p:txBody>
       </p:sp>
@@ -26245,13 +26820,18 @@
           <a:p>
             <a:pPr algn="ctr"/>
             <a:r>
-              <a:rPr lang="en-US" sz="8000" dirty="0">
+              <a:rPr lang="en-US" sz="8000" dirty="0" smtClean="0">
                 <a:solidFill>
                   <a:srgbClr val="C00000"/>
                 </a:solidFill>
               </a:rPr>
-              <a:t>B</a:t>
+              <a:t>Z</a:t>
             </a:r>
+            <a:endParaRPr lang="en-US" sz="8000" dirty="0">
+              <a:solidFill>
+                <a:srgbClr val="C00000"/>
+              </a:solidFill>
+            </a:endParaRPr>
           </a:p>
         </p:txBody>
       </p:sp>
@@ -26307,13 +26887,18 @@
           <a:p>
             <a:pPr algn="ctr"/>
             <a:r>
-              <a:rPr lang="en-US" sz="8000" dirty="0">
+              <a:rPr lang="en-US" sz="8000" dirty="0" smtClean="0">
                 <a:solidFill>
                   <a:srgbClr val="C00000"/>
                 </a:solidFill>
               </a:rPr>
-              <a:t>C</a:t>
+              <a:t>Y</a:t>
             </a:r>
+            <a:endParaRPr lang="en-US" sz="8000" dirty="0">
+              <a:solidFill>
+                <a:srgbClr val="C00000"/>
+              </a:solidFill>
+            </a:endParaRPr>
           </a:p>
         </p:txBody>
       </p:sp>
@@ -26588,13 +27173,18 @@
           <a:p>
             <a:pPr algn="ctr"/>
             <a:r>
-              <a:rPr lang="en-US" sz="8000" dirty="0">
+              <a:rPr lang="en-US" sz="8000" dirty="0" smtClean="0">
                 <a:solidFill>
                   <a:srgbClr val="C00000"/>
                 </a:solidFill>
               </a:rPr>
-              <a:t>A</a:t>
+              <a:t>X</a:t>
             </a:r>
+            <a:endParaRPr lang="en-US" sz="8000" dirty="0">
+              <a:solidFill>
+                <a:srgbClr val="C00000"/>
+              </a:solidFill>
+            </a:endParaRPr>
           </a:p>
         </p:txBody>
       </p:sp>
@@ -26650,13 +27240,18 @@
           <a:p>
             <a:pPr algn="ctr"/>
             <a:r>
-              <a:rPr lang="en-US" sz="8000" dirty="0">
+              <a:rPr lang="en-US" sz="8000" dirty="0" smtClean="0">
                 <a:solidFill>
                   <a:srgbClr val="C00000"/>
                 </a:solidFill>
               </a:rPr>
-              <a:t>B</a:t>
+              <a:t>Z</a:t>
             </a:r>
+            <a:endParaRPr lang="en-US" sz="8000" dirty="0">
+              <a:solidFill>
+                <a:srgbClr val="C00000"/>
+              </a:solidFill>
+            </a:endParaRPr>
           </a:p>
         </p:txBody>
       </p:sp>
@@ -26712,13 +27307,18 @@
           <a:p>
             <a:pPr algn="ctr"/>
             <a:r>
-              <a:rPr lang="en-US" sz="8000" dirty="0">
+              <a:rPr lang="en-US" sz="8000" dirty="0" smtClean="0">
                 <a:solidFill>
                   <a:srgbClr val="C00000"/>
                 </a:solidFill>
               </a:rPr>
-              <a:t>C</a:t>
+              <a:t>Y</a:t>
             </a:r>
+            <a:endParaRPr lang="en-US" sz="8000" dirty="0">
+              <a:solidFill>
+                <a:srgbClr val="C00000"/>
+              </a:solidFill>
+            </a:endParaRPr>
           </a:p>
         </p:txBody>
       </p:sp>
@@ -26993,13 +27593,18 @@
           <a:p>
             <a:pPr algn="ctr"/>
             <a:r>
-              <a:rPr lang="en-US" sz="8000" dirty="0">
+              <a:rPr lang="en-US" sz="8000" dirty="0" smtClean="0">
                 <a:solidFill>
                   <a:srgbClr val="C00000"/>
                 </a:solidFill>
               </a:rPr>
-              <a:t>A</a:t>
+              <a:t>X</a:t>
             </a:r>
+            <a:endParaRPr lang="en-US" sz="8000" dirty="0">
+              <a:solidFill>
+                <a:srgbClr val="C00000"/>
+              </a:solidFill>
+            </a:endParaRPr>
           </a:p>
         </p:txBody>
       </p:sp>
@@ -27055,13 +27660,18 @@
           <a:p>
             <a:pPr algn="ctr"/>
             <a:r>
-              <a:rPr lang="en-US" sz="8000" dirty="0">
+              <a:rPr lang="en-US" sz="8000" dirty="0" smtClean="0">
                 <a:solidFill>
                   <a:srgbClr val="C00000"/>
                 </a:solidFill>
               </a:rPr>
-              <a:t>B</a:t>
+              <a:t>Z</a:t>
             </a:r>
+            <a:endParaRPr lang="en-US" sz="8000" dirty="0">
+              <a:solidFill>
+                <a:srgbClr val="C00000"/>
+              </a:solidFill>
+            </a:endParaRPr>
           </a:p>
         </p:txBody>
       </p:sp>
@@ -27117,13 +27727,18 @@
           <a:p>
             <a:pPr algn="ctr"/>
             <a:r>
-              <a:rPr lang="en-US" sz="8000" dirty="0">
+              <a:rPr lang="en-US" sz="8000" dirty="0" smtClean="0">
                 <a:solidFill>
                   <a:srgbClr val="C00000"/>
                 </a:solidFill>
               </a:rPr>
-              <a:t>C</a:t>
+              <a:t>Y</a:t>
             </a:r>
+            <a:endParaRPr lang="en-US" sz="8000" dirty="0">
+              <a:solidFill>
+                <a:srgbClr val="C00000"/>
+              </a:solidFill>
+            </a:endParaRPr>
           </a:p>
         </p:txBody>
       </p:sp>
@@ -27401,13 +28016,18 @@
           <a:p>
             <a:pPr algn="ctr"/>
             <a:r>
-              <a:rPr lang="en-US" sz="8000" dirty="0">
+              <a:rPr lang="en-US" sz="8000" dirty="0" smtClean="0">
                 <a:solidFill>
                   <a:srgbClr val="C00000"/>
                 </a:solidFill>
               </a:rPr>
-              <a:t>A</a:t>
+              <a:t>X</a:t>
             </a:r>
+            <a:endParaRPr lang="en-US" sz="8000" dirty="0">
+              <a:solidFill>
+                <a:srgbClr val="C00000"/>
+              </a:solidFill>
+            </a:endParaRPr>
           </a:p>
         </p:txBody>
       </p:sp>
@@ -27463,13 +28083,18 @@
           <a:p>
             <a:pPr algn="ctr"/>
             <a:r>
-              <a:rPr lang="en-US" sz="8000" dirty="0">
+              <a:rPr lang="en-US" sz="8000" dirty="0" smtClean="0">
                 <a:solidFill>
                   <a:srgbClr val="C00000"/>
                 </a:solidFill>
               </a:rPr>
-              <a:t>B</a:t>
+              <a:t>Z</a:t>
             </a:r>
+            <a:endParaRPr lang="en-US" sz="8000" dirty="0">
+              <a:solidFill>
+                <a:srgbClr val="C00000"/>
+              </a:solidFill>
+            </a:endParaRPr>
           </a:p>
         </p:txBody>
       </p:sp>
@@ -27525,13 +28150,18 @@
           <a:p>
             <a:pPr algn="ctr"/>
             <a:r>
-              <a:rPr lang="en-US" sz="8000" dirty="0">
+              <a:rPr lang="en-US" sz="8000" dirty="0" smtClean="0">
                 <a:solidFill>
                   <a:srgbClr val="C00000"/>
                 </a:solidFill>
               </a:rPr>
-              <a:t>C</a:t>
+              <a:t>Y</a:t>
             </a:r>
+            <a:endParaRPr lang="en-US" sz="8000" dirty="0">
+              <a:solidFill>
+                <a:srgbClr val="C00000"/>
+              </a:solidFill>
+            </a:endParaRPr>
           </a:p>
         </p:txBody>
       </p:sp>
@@ -27809,13 +28439,18 @@
           <a:p>
             <a:pPr algn="ctr"/>
             <a:r>
-              <a:rPr lang="en-US" sz="8000" dirty="0">
+              <a:rPr lang="en-US" sz="8000" dirty="0" smtClean="0">
                 <a:solidFill>
                   <a:srgbClr val="C00000"/>
                 </a:solidFill>
               </a:rPr>
-              <a:t>A</a:t>
+              <a:t>X</a:t>
             </a:r>
+            <a:endParaRPr lang="en-US" sz="8000" dirty="0">
+              <a:solidFill>
+                <a:srgbClr val="C00000"/>
+              </a:solidFill>
+            </a:endParaRPr>
           </a:p>
         </p:txBody>
       </p:sp>
@@ -27871,13 +28506,18 @@
           <a:p>
             <a:pPr algn="ctr"/>
             <a:r>
-              <a:rPr lang="en-US" sz="8000" dirty="0">
+              <a:rPr lang="en-US" sz="8000" dirty="0" smtClean="0">
                 <a:solidFill>
                   <a:srgbClr val="C00000"/>
                 </a:solidFill>
               </a:rPr>
-              <a:t>B</a:t>
+              <a:t>Z</a:t>
             </a:r>
+            <a:endParaRPr lang="en-US" sz="8000" dirty="0">
+              <a:solidFill>
+                <a:srgbClr val="C00000"/>
+              </a:solidFill>
+            </a:endParaRPr>
           </a:p>
         </p:txBody>
       </p:sp>
@@ -27933,13 +28573,18 @@
           <a:p>
             <a:pPr algn="ctr"/>
             <a:r>
-              <a:rPr lang="en-US" sz="8000" dirty="0">
+              <a:rPr lang="en-US" sz="8000" dirty="0" smtClean="0">
                 <a:solidFill>
                   <a:srgbClr val="C00000"/>
                 </a:solidFill>
               </a:rPr>
-              <a:t>C</a:t>
+              <a:t>Y</a:t>
             </a:r>
+            <a:endParaRPr lang="en-US" sz="8000" dirty="0">
+              <a:solidFill>
+                <a:srgbClr val="C00000"/>
+              </a:solidFill>
+            </a:endParaRPr>
           </a:p>
         </p:txBody>
       </p:sp>
@@ -28217,13 +28862,18 @@
           <a:p>
             <a:pPr algn="ctr"/>
             <a:r>
-              <a:rPr lang="en-US" sz="8000" dirty="0">
+              <a:rPr lang="en-US" sz="8000" dirty="0" smtClean="0">
                 <a:solidFill>
                   <a:srgbClr val="C00000"/>
                 </a:solidFill>
               </a:rPr>
-              <a:t>A</a:t>
+              <a:t>X</a:t>
             </a:r>
+            <a:endParaRPr lang="en-US" sz="8000" dirty="0">
+              <a:solidFill>
+                <a:srgbClr val="C00000"/>
+              </a:solidFill>
+            </a:endParaRPr>
           </a:p>
         </p:txBody>
       </p:sp>
@@ -28279,13 +28929,18 @@
           <a:p>
             <a:pPr algn="ctr"/>
             <a:r>
-              <a:rPr lang="en-US" sz="8000" dirty="0">
+              <a:rPr lang="en-US" sz="8000" dirty="0" smtClean="0">
                 <a:solidFill>
                   <a:srgbClr val="C00000"/>
                 </a:solidFill>
               </a:rPr>
-              <a:t>B</a:t>
+              <a:t>Z</a:t>
             </a:r>
+            <a:endParaRPr lang="en-US" sz="8000" dirty="0">
+              <a:solidFill>
+                <a:srgbClr val="C00000"/>
+              </a:solidFill>
+            </a:endParaRPr>
           </a:p>
         </p:txBody>
       </p:sp>
@@ -28341,13 +28996,18 @@
           <a:p>
             <a:pPr algn="ctr"/>
             <a:r>
-              <a:rPr lang="en-US" sz="8000" dirty="0">
+              <a:rPr lang="en-US" sz="8000" dirty="0" smtClean="0">
                 <a:solidFill>
                   <a:srgbClr val="C00000"/>
                 </a:solidFill>
               </a:rPr>
-              <a:t>C</a:t>
+              <a:t>Y</a:t>
             </a:r>
+            <a:endParaRPr lang="en-US" sz="8000" dirty="0">
+              <a:solidFill>
+                <a:srgbClr val="C00000"/>
+              </a:solidFill>
+            </a:endParaRPr>
           </a:p>
         </p:txBody>
       </p:sp>
@@ -28625,13 +29285,18 @@
           <a:p>
             <a:pPr algn="ctr"/>
             <a:r>
-              <a:rPr lang="en-US" sz="8000" dirty="0">
+              <a:rPr lang="en-US" sz="8000" dirty="0" smtClean="0">
                 <a:solidFill>
                   <a:srgbClr val="C00000"/>
                 </a:solidFill>
               </a:rPr>
-              <a:t>A</a:t>
+              <a:t>X</a:t>
             </a:r>
+            <a:endParaRPr lang="en-US" sz="8000" dirty="0">
+              <a:solidFill>
+                <a:srgbClr val="C00000"/>
+              </a:solidFill>
+            </a:endParaRPr>
           </a:p>
         </p:txBody>
       </p:sp>
@@ -28687,13 +29352,18 @@
           <a:p>
             <a:pPr algn="ctr"/>
             <a:r>
-              <a:rPr lang="en-US" sz="8000" dirty="0">
+              <a:rPr lang="en-US" sz="8000" smtClean="0">
                 <a:solidFill>
                   <a:srgbClr val="C00000"/>
                 </a:solidFill>
               </a:rPr>
-              <a:t>B</a:t>
+              <a:t>Z</a:t>
             </a:r>
+            <a:endParaRPr lang="en-US" sz="8000" dirty="0">
+              <a:solidFill>
+                <a:srgbClr val="C00000"/>
+              </a:solidFill>
+            </a:endParaRPr>
           </a:p>
         </p:txBody>
       </p:sp>
@@ -28749,13 +29419,18 @@
           <a:p>
             <a:pPr algn="ctr"/>
             <a:r>
-              <a:rPr lang="en-US" sz="8000" dirty="0">
+              <a:rPr lang="en-US" sz="8000" dirty="0" smtClean="0">
                 <a:solidFill>
                   <a:srgbClr val="C00000"/>
                 </a:solidFill>
               </a:rPr>
-              <a:t>C</a:t>
+              <a:t>Y</a:t>
             </a:r>
+            <a:endParaRPr lang="en-US" sz="8000" dirty="0">
+              <a:solidFill>
+                <a:srgbClr val="C00000"/>
+              </a:solidFill>
+            </a:endParaRPr>
           </a:p>
         </p:txBody>
       </p:sp>
@@ -29038,13 +29713,18 @@
           <a:p>
             <a:pPr algn="ctr"/>
             <a:r>
-              <a:rPr lang="en-US" sz="8000" dirty="0">
+              <a:rPr lang="en-US" sz="8000" dirty="0" smtClean="0">
                 <a:solidFill>
                   <a:srgbClr val="C00000"/>
                 </a:solidFill>
               </a:rPr>
-              <a:t>A</a:t>
+              <a:t>X</a:t>
             </a:r>
+            <a:endParaRPr lang="en-US" sz="8000" dirty="0">
+              <a:solidFill>
+                <a:srgbClr val="C00000"/>
+              </a:solidFill>
+            </a:endParaRPr>
           </a:p>
         </p:txBody>
       </p:sp>
@@ -29100,13 +29780,18 @@
           <a:p>
             <a:pPr algn="ctr"/>
             <a:r>
-              <a:rPr lang="en-US" sz="8000" dirty="0">
+              <a:rPr lang="en-US" sz="8000" dirty="0" smtClean="0">
                 <a:solidFill>
                   <a:srgbClr val="C00000"/>
                 </a:solidFill>
               </a:rPr>
-              <a:t>B</a:t>
+              <a:t>Z</a:t>
             </a:r>
+            <a:endParaRPr lang="en-US" sz="8000" dirty="0">
+              <a:solidFill>
+                <a:srgbClr val="C00000"/>
+              </a:solidFill>
+            </a:endParaRPr>
           </a:p>
         </p:txBody>
       </p:sp>
@@ -29162,13 +29847,18 @@
           <a:p>
             <a:pPr algn="ctr"/>
             <a:r>
-              <a:rPr lang="en-US" sz="8000" dirty="0">
+              <a:rPr lang="en-US" sz="8000" dirty="0" smtClean="0">
                 <a:solidFill>
                   <a:srgbClr val="C00000"/>
                 </a:solidFill>
               </a:rPr>
-              <a:t>C</a:t>
+              <a:t>Y</a:t>
             </a:r>
+            <a:endParaRPr lang="en-US" sz="8000" dirty="0">
+              <a:solidFill>
+                <a:srgbClr val="C00000"/>
+              </a:solidFill>
+            </a:endParaRPr>
           </a:p>
         </p:txBody>
       </p:sp>
@@ -29446,13 +30136,18 @@
           <a:p>
             <a:pPr algn="ctr"/>
             <a:r>
-              <a:rPr lang="en-US" sz="8000" dirty="0">
+              <a:rPr lang="en-US" sz="8000" dirty="0" smtClean="0">
                 <a:solidFill>
                   <a:srgbClr val="C00000"/>
                 </a:solidFill>
               </a:rPr>
-              <a:t>A</a:t>
+              <a:t>X</a:t>
             </a:r>
+            <a:endParaRPr lang="en-US" sz="8000" dirty="0">
+              <a:solidFill>
+                <a:srgbClr val="C00000"/>
+              </a:solidFill>
+            </a:endParaRPr>
           </a:p>
         </p:txBody>
       </p:sp>
@@ -29508,13 +30203,18 @@
           <a:p>
             <a:pPr algn="ctr"/>
             <a:r>
-              <a:rPr lang="en-US" sz="8000" dirty="0">
+              <a:rPr lang="en-US" sz="8000" dirty="0" smtClean="0">
                 <a:solidFill>
                   <a:srgbClr val="C00000"/>
                 </a:solidFill>
               </a:rPr>
-              <a:t>B</a:t>
+              <a:t>Z</a:t>
             </a:r>
+            <a:endParaRPr lang="en-US" sz="8000" dirty="0">
+              <a:solidFill>
+                <a:srgbClr val="C00000"/>
+              </a:solidFill>
+            </a:endParaRPr>
           </a:p>
         </p:txBody>
       </p:sp>
@@ -29570,13 +30270,18 @@
           <a:p>
             <a:pPr algn="ctr"/>
             <a:r>
-              <a:rPr lang="en-US" sz="8000" dirty="0">
+              <a:rPr lang="en-US" sz="8000" dirty="0" smtClean="0">
                 <a:solidFill>
                   <a:srgbClr val="C00000"/>
                 </a:solidFill>
               </a:rPr>
-              <a:t>C</a:t>
+              <a:t>Y</a:t>
             </a:r>
+            <a:endParaRPr lang="en-US" sz="8000" dirty="0">
+              <a:solidFill>
+                <a:srgbClr val="C00000"/>
+              </a:solidFill>
+            </a:endParaRPr>
           </a:p>
         </p:txBody>
       </p:sp>
@@ -29854,13 +30559,18 @@
           <a:p>
             <a:pPr algn="ctr"/>
             <a:r>
-              <a:rPr lang="en-US" sz="8000" dirty="0">
+              <a:rPr lang="en-US" sz="8000" dirty="0" smtClean="0">
                 <a:solidFill>
                   <a:srgbClr val="C00000"/>
                 </a:solidFill>
               </a:rPr>
-              <a:t>A</a:t>
+              <a:t>X</a:t>
             </a:r>
+            <a:endParaRPr lang="en-US" sz="8000" dirty="0">
+              <a:solidFill>
+                <a:srgbClr val="C00000"/>
+              </a:solidFill>
+            </a:endParaRPr>
           </a:p>
         </p:txBody>
       </p:sp>
@@ -29916,13 +30626,18 @@
           <a:p>
             <a:pPr algn="ctr"/>
             <a:r>
-              <a:rPr lang="en-US" sz="8000" dirty="0">
+              <a:rPr lang="en-US" sz="8000" dirty="0" smtClean="0">
                 <a:solidFill>
                   <a:srgbClr val="C00000"/>
                 </a:solidFill>
               </a:rPr>
-              <a:t>B</a:t>
+              <a:t>Z</a:t>
             </a:r>
+            <a:endParaRPr lang="en-US" sz="8000" dirty="0">
+              <a:solidFill>
+                <a:srgbClr val="C00000"/>
+              </a:solidFill>
+            </a:endParaRPr>
           </a:p>
         </p:txBody>
       </p:sp>
@@ -29978,13 +30693,18 @@
           <a:p>
             <a:pPr algn="ctr"/>
             <a:r>
-              <a:rPr lang="en-US" sz="8000" dirty="0">
+              <a:rPr lang="en-US" sz="8000" dirty="0" smtClean="0">
                 <a:solidFill>
                   <a:srgbClr val="C00000"/>
                 </a:solidFill>
               </a:rPr>
-              <a:t>C</a:t>
+              <a:t>Y</a:t>
             </a:r>
+            <a:endParaRPr lang="en-US" sz="8000" dirty="0">
+              <a:solidFill>
+                <a:srgbClr val="C00000"/>
+              </a:solidFill>
+            </a:endParaRPr>
           </a:p>
         </p:txBody>
       </p:sp>
@@ -30259,13 +30979,18 @@
           <a:p>
             <a:pPr algn="ctr"/>
             <a:r>
-              <a:rPr lang="en-US" sz="8000" dirty="0">
+              <a:rPr lang="en-US" sz="8000" dirty="0" smtClean="0">
                 <a:solidFill>
                   <a:srgbClr val="C00000"/>
                 </a:solidFill>
               </a:rPr>
-              <a:t>A</a:t>
+              <a:t>X</a:t>
             </a:r>
+            <a:endParaRPr lang="en-US" sz="8000" dirty="0">
+              <a:solidFill>
+                <a:srgbClr val="C00000"/>
+              </a:solidFill>
+            </a:endParaRPr>
           </a:p>
         </p:txBody>
       </p:sp>
@@ -30321,13 +31046,18 @@
           <a:p>
             <a:pPr algn="ctr"/>
             <a:r>
-              <a:rPr lang="en-US" sz="8000" dirty="0">
+              <a:rPr lang="en-US" sz="8000" dirty="0" smtClean="0">
                 <a:solidFill>
                   <a:srgbClr val="C00000"/>
                 </a:solidFill>
               </a:rPr>
-              <a:t>B</a:t>
+              <a:t>Z</a:t>
             </a:r>
+            <a:endParaRPr lang="en-US" sz="8000" dirty="0">
+              <a:solidFill>
+                <a:srgbClr val="C00000"/>
+              </a:solidFill>
+            </a:endParaRPr>
           </a:p>
         </p:txBody>
       </p:sp>
@@ -30383,13 +31113,18 @@
           <a:p>
             <a:pPr algn="ctr"/>
             <a:r>
-              <a:rPr lang="en-US" sz="8000" dirty="0">
+              <a:rPr lang="en-US" sz="8000" dirty="0" smtClean="0">
                 <a:solidFill>
                   <a:srgbClr val="C00000"/>
                 </a:solidFill>
               </a:rPr>
-              <a:t>C</a:t>
+              <a:t>Y</a:t>
             </a:r>
+            <a:endParaRPr lang="en-US" sz="8000" dirty="0">
+              <a:solidFill>
+                <a:srgbClr val="C00000"/>
+              </a:solidFill>
+            </a:endParaRPr>
           </a:p>
         </p:txBody>
       </p:sp>
@@ -30664,13 +31399,18 @@
           <a:p>
             <a:pPr algn="ctr"/>
             <a:r>
-              <a:rPr lang="en-US" sz="8000" dirty="0">
+              <a:rPr lang="en-US" sz="8000" dirty="0" smtClean="0">
                 <a:solidFill>
                   <a:srgbClr val="C00000"/>
                 </a:solidFill>
               </a:rPr>
-              <a:t>A</a:t>
+              <a:t>X</a:t>
             </a:r>
+            <a:endParaRPr lang="en-US" sz="8000" dirty="0">
+              <a:solidFill>
+                <a:srgbClr val="C00000"/>
+              </a:solidFill>
+            </a:endParaRPr>
           </a:p>
         </p:txBody>
       </p:sp>
@@ -30726,13 +31466,18 @@
           <a:p>
             <a:pPr algn="ctr"/>
             <a:r>
-              <a:rPr lang="en-US" sz="8000" dirty="0">
+              <a:rPr lang="en-US" sz="8000" dirty="0" smtClean="0">
                 <a:solidFill>
                   <a:srgbClr val="C00000"/>
                 </a:solidFill>
               </a:rPr>
-              <a:t>B</a:t>
+              <a:t>Z</a:t>
             </a:r>
+            <a:endParaRPr lang="en-US" sz="8000" dirty="0">
+              <a:solidFill>
+                <a:srgbClr val="C00000"/>
+              </a:solidFill>
+            </a:endParaRPr>
           </a:p>
         </p:txBody>
       </p:sp>
@@ -30788,13 +31533,18 @@
           <a:p>
             <a:pPr algn="ctr"/>
             <a:r>
-              <a:rPr lang="en-US" sz="8000" dirty="0">
+              <a:rPr lang="en-US" sz="8000" dirty="0" smtClean="0">
                 <a:solidFill>
                   <a:srgbClr val="C00000"/>
                 </a:solidFill>
               </a:rPr>
-              <a:t>C</a:t>
+              <a:t>Y</a:t>
             </a:r>
+            <a:endParaRPr lang="en-US" sz="8000" dirty="0">
+              <a:solidFill>
+                <a:srgbClr val="C00000"/>
+              </a:solidFill>
+            </a:endParaRPr>
           </a:p>
         </p:txBody>
       </p:sp>
@@ -31069,13 +31819,18 @@
           <a:p>
             <a:pPr algn="ctr"/>
             <a:r>
-              <a:rPr lang="en-US" sz="8000" dirty="0">
+              <a:rPr lang="en-US" sz="8000" dirty="0" smtClean="0">
                 <a:solidFill>
                   <a:srgbClr val="C00000"/>
                 </a:solidFill>
               </a:rPr>
-              <a:t>A</a:t>
+              <a:t>X</a:t>
             </a:r>
+            <a:endParaRPr lang="en-US" sz="8000" dirty="0">
+              <a:solidFill>
+                <a:srgbClr val="C00000"/>
+              </a:solidFill>
+            </a:endParaRPr>
           </a:p>
         </p:txBody>
       </p:sp>
@@ -31131,13 +31886,18 @@
           <a:p>
             <a:pPr algn="ctr"/>
             <a:r>
-              <a:rPr lang="en-US" sz="8000" dirty="0">
+              <a:rPr lang="en-US" sz="8000" dirty="0" smtClean="0">
                 <a:solidFill>
                   <a:srgbClr val="C00000"/>
                 </a:solidFill>
               </a:rPr>
-              <a:t>B</a:t>
+              <a:t>Z</a:t>
             </a:r>
+            <a:endParaRPr lang="en-US" sz="8000" dirty="0">
+              <a:solidFill>
+                <a:srgbClr val="C00000"/>
+              </a:solidFill>
+            </a:endParaRPr>
           </a:p>
         </p:txBody>
       </p:sp>
@@ -31193,13 +31953,18 @@
           <a:p>
             <a:pPr algn="ctr"/>
             <a:r>
-              <a:rPr lang="en-US" sz="8000" dirty="0">
+              <a:rPr lang="en-US" sz="8000" dirty="0" smtClean="0">
                 <a:solidFill>
                   <a:srgbClr val="C00000"/>
                 </a:solidFill>
               </a:rPr>
-              <a:t>C</a:t>
+              <a:t>Y</a:t>
             </a:r>
+            <a:endParaRPr lang="en-US" sz="8000" dirty="0">
+              <a:solidFill>
+                <a:srgbClr val="C00000"/>
+              </a:solidFill>
+            </a:endParaRPr>
           </a:p>
         </p:txBody>
       </p:sp>
@@ -31479,13 +32244,18 @@
           <a:p>
             <a:pPr algn="ctr"/>
             <a:r>
-              <a:rPr lang="en-US" sz="8000" dirty="0">
+              <a:rPr lang="en-US" sz="8000" dirty="0" smtClean="0">
                 <a:solidFill>
                   <a:srgbClr val="C00000"/>
                 </a:solidFill>
               </a:rPr>
-              <a:t>A</a:t>
+              <a:t>X</a:t>
             </a:r>
+            <a:endParaRPr lang="en-US" sz="8000" dirty="0">
+              <a:solidFill>
+                <a:srgbClr val="C00000"/>
+              </a:solidFill>
+            </a:endParaRPr>
           </a:p>
         </p:txBody>
       </p:sp>
@@ -31541,13 +32311,18 @@
           <a:p>
             <a:pPr algn="ctr"/>
             <a:r>
-              <a:rPr lang="en-US" sz="8000" dirty="0">
+              <a:rPr lang="en-US" sz="8000" dirty="0" smtClean="0">
                 <a:solidFill>
                   <a:srgbClr val="C00000"/>
                 </a:solidFill>
               </a:rPr>
-              <a:t>B</a:t>
+              <a:t>Z</a:t>
             </a:r>
+            <a:endParaRPr lang="en-US" sz="8000" dirty="0">
+              <a:solidFill>
+                <a:srgbClr val="C00000"/>
+              </a:solidFill>
+            </a:endParaRPr>
           </a:p>
         </p:txBody>
       </p:sp>
@@ -31603,13 +32378,18 @@
           <a:p>
             <a:pPr algn="ctr"/>
             <a:r>
-              <a:rPr lang="en-US" sz="8000" dirty="0">
+              <a:rPr lang="en-US" sz="8000" dirty="0" smtClean="0">
                 <a:solidFill>
                   <a:srgbClr val="C00000"/>
                 </a:solidFill>
               </a:rPr>
-              <a:t>C</a:t>
+              <a:t>Y</a:t>
             </a:r>
+            <a:endParaRPr lang="en-US" sz="8000" dirty="0">
+              <a:solidFill>
+                <a:srgbClr val="C00000"/>
+              </a:solidFill>
+            </a:endParaRPr>
           </a:p>
         </p:txBody>
       </p:sp>
@@ -31889,13 +32669,18 @@
           <a:p>
             <a:pPr algn="ctr"/>
             <a:r>
-              <a:rPr lang="en-US" sz="8000" dirty="0">
+              <a:rPr lang="en-US" sz="8000" dirty="0" smtClean="0">
                 <a:solidFill>
                   <a:srgbClr val="C00000"/>
                 </a:solidFill>
               </a:rPr>
-              <a:t>A</a:t>
+              <a:t>X</a:t>
             </a:r>
+            <a:endParaRPr lang="en-US" sz="8000" dirty="0">
+              <a:solidFill>
+                <a:srgbClr val="C00000"/>
+              </a:solidFill>
+            </a:endParaRPr>
           </a:p>
         </p:txBody>
       </p:sp>
@@ -31951,13 +32736,18 @@
           <a:p>
             <a:pPr algn="ctr"/>
             <a:r>
-              <a:rPr lang="en-US" sz="8000" dirty="0">
+              <a:rPr lang="en-US" sz="8000" dirty="0" smtClean="0">
                 <a:solidFill>
                   <a:srgbClr val="C00000"/>
                 </a:solidFill>
               </a:rPr>
-              <a:t>B</a:t>
+              <a:t>Z</a:t>
             </a:r>
+            <a:endParaRPr lang="en-US" sz="8000" dirty="0">
+              <a:solidFill>
+                <a:srgbClr val="C00000"/>
+              </a:solidFill>
+            </a:endParaRPr>
           </a:p>
         </p:txBody>
       </p:sp>
@@ -32013,13 +32803,18 @@
           <a:p>
             <a:pPr algn="ctr"/>
             <a:r>
-              <a:rPr lang="en-US" sz="8000" dirty="0">
+              <a:rPr lang="en-US" sz="8000" dirty="0" smtClean="0">
                 <a:solidFill>
                   <a:srgbClr val="C00000"/>
                 </a:solidFill>
               </a:rPr>
-              <a:t>C</a:t>
+              <a:t>Y</a:t>
             </a:r>
+            <a:endParaRPr lang="en-US" sz="8000" dirty="0">
+              <a:solidFill>
+                <a:srgbClr val="C00000"/>
+              </a:solidFill>
+            </a:endParaRPr>
           </a:p>
         </p:txBody>
       </p:sp>
@@ -32299,13 +33094,18 @@
           <a:p>
             <a:pPr algn="ctr"/>
             <a:r>
-              <a:rPr lang="en-US" sz="8000" dirty="0">
+              <a:rPr lang="en-US" sz="8000" dirty="0" smtClean="0">
                 <a:solidFill>
                   <a:srgbClr val="C00000"/>
                 </a:solidFill>
               </a:rPr>
-              <a:t>A</a:t>
+              <a:t>X</a:t>
             </a:r>
+            <a:endParaRPr lang="en-US" sz="8000" dirty="0">
+              <a:solidFill>
+                <a:srgbClr val="C00000"/>
+              </a:solidFill>
+            </a:endParaRPr>
           </a:p>
         </p:txBody>
       </p:sp>
@@ -32361,13 +33161,18 @@
           <a:p>
             <a:pPr algn="ctr"/>
             <a:r>
-              <a:rPr lang="en-US" sz="8000" dirty="0">
+              <a:rPr lang="en-US" sz="8000" dirty="0" smtClean="0">
                 <a:solidFill>
                   <a:srgbClr val="C00000"/>
                 </a:solidFill>
               </a:rPr>
-              <a:t>B</a:t>
+              <a:t>Z</a:t>
             </a:r>
+            <a:endParaRPr lang="en-US" sz="8000" dirty="0">
+              <a:solidFill>
+                <a:srgbClr val="C00000"/>
+              </a:solidFill>
+            </a:endParaRPr>
           </a:p>
         </p:txBody>
       </p:sp>
@@ -32423,13 +33228,18 @@
           <a:p>
             <a:pPr algn="ctr"/>
             <a:r>
-              <a:rPr lang="en-US" sz="8000" dirty="0">
+              <a:rPr lang="en-US" sz="8000" dirty="0" smtClean="0">
                 <a:solidFill>
                   <a:srgbClr val="C00000"/>
                 </a:solidFill>
               </a:rPr>
-              <a:t>C</a:t>
+              <a:t>Y</a:t>
             </a:r>
+            <a:endParaRPr lang="en-US" sz="8000" dirty="0">
+              <a:solidFill>
+                <a:srgbClr val="C00000"/>
+              </a:solidFill>
+            </a:endParaRPr>
           </a:p>
         </p:txBody>
       </p:sp>
@@ -32709,13 +33519,18 @@
           <a:p>
             <a:pPr algn="ctr"/>
             <a:r>
-              <a:rPr lang="en-US" sz="8000" dirty="0">
+              <a:rPr lang="en-US" sz="8000" dirty="0" smtClean="0">
                 <a:solidFill>
                   <a:srgbClr val="C00000"/>
                 </a:solidFill>
               </a:rPr>
-              <a:t>A</a:t>
+              <a:t>X</a:t>
             </a:r>
+            <a:endParaRPr lang="en-US" sz="8000" dirty="0">
+              <a:solidFill>
+                <a:srgbClr val="C00000"/>
+              </a:solidFill>
+            </a:endParaRPr>
           </a:p>
         </p:txBody>
       </p:sp>
@@ -32771,13 +33586,18 @@
           <a:p>
             <a:pPr algn="ctr"/>
             <a:r>
-              <a:rPr lang="en-US" sz="8000" dirty="0">
+              <a:rPr lang="en-US" sz="8000" dirty="0" smtClean="0">
                 <a:solidFill>
                   <a:srgbClr val="C00000"/>
                 </a:solidFill>
               </a:rPr>
-              <a:t>B</a:t>
+              <a:t>Z</a:t>
             </a:r>
+            <a:endParaRPr lang="en-US" sz="8000" dirty="0">
+              <a:solidFill>
+                <a:srgbClr val="C00000"/>
+              </a:solidFill>
+            </a:endParaRPr>
           </a:p>
         </p:txBody>
       </p:sp>
@@ -32833,13 +33653,18 @@
           <a:p>
             <a:pPr algn="ctr"/>
             <a:r>
-              <a:rPr lang="en-US" sz="8000" dirty="0">
+              <a:rPr lang="en-US" sz="8000" dirty="0" smtClean="0">
                 <a:solidFill>
                   <a:srgbClr val="C00000"/>
                 </a:solidFill>
               </a:rPr>
-              <a:t>C</a:t>
+              <a:t>Y</a:t>
             </a:r>
+            <a:endParaRPr lang="en-US" sz="8000" dirty="0">
+              <a:solidFill>
+                <a:srgbClr val="C00000"/>
+              </a:solidFill>
+            </a:endParaRPr>
           </a:p>
         </p:txBody>
       </p:sp>
@@ -33119,13 +33944,18 @@
           <a:p>
             <a:pPr algn="ctr"/>
             <a:r>
-              <a:rPr lang="en-US" sz="8000" dirty="0">
+              <a:rPr lang="en-US" sz="8000" dirty="0" smtClean="0">
                 <a:solidFill>
                   <a:srgbClr val="C00000"/>
                 </a:solidFill>
               </a:rPr>
-              <a:t>A</a:t>
+              <a:t>X</a:t>
             </a:r>
+            <a:endParaRPr lang="en-US" sz="8000" dirty="0">
+              <a:solidFill>
+                <a:srgbClr val="C00000"/>
+              </a:solidFill>
+            </a:endParaRPr>
           </a:p>
         </p:txBody>
       </p:sp>
@@ -33181,13 +34011,18 @@
           <a:p>
             <a:pPr algn="ctr"/>
             <a:r>
-              <a:rPr lang="en-US" sz="8000" dirty="0">
+              <a:rPr lang="en-US" sz="8000" smtClean="0">
                 <a:solidFill>
                   <a:srgbClr val="C00000"/>
                 </a:solidFill>
               </a:rPr>
-              <a:t>B</a:t>
+              <a:t>Z</a:t>
             </a:r>
+            <a:endParaRPr lang="en-US" sz="8000" dirty="0">
+              <a:solidFill>
+                <a:srgbClr val="C00000"/>
+              </a:solidFill>
+            </a:endParaRPr>
           </a:p>
         </p:txBody>
       </p:sp>
@@ -33243,13 +34078,18 @@
           <a:p>
             <a:pPr algn="ctr"/>
             <a:r>
-              <a:rPr lang="en-US" sz="8000" dirty="0">
+              <a:rPr lang="en-US" sz="8000" dirty="0" smtClean="0">
                 <a:solidFill>
                   <a:srgbClr val="C00000"/>
                 </a:solidFill>
               </a:rPr>
-              <a:t>C</a:t>
+              <a:t>Y</a:t>
             </a:r>
+            <a:endParaRPr lang="en-US" sz="8000" dirty="0">
+              <a:solidFill>
+                <a:srgbClr val="C00000"/>
+              </a:solidFill>
+            </a:endParaRPr>
           </a:p>
         </p:txBody>
       </p:sp>
@@ -33532,13 +34372,18 @@
           <a:p>
             <a:pPr algn="ctr"/>
             <a:r>
-              <a:rPr lang="en-US" sz="8000" dirty="0">
+              <a:rPr lang="en-US" sz="8000" dirty="0" smtClean="0">
                 <a:solidFill>
                   <a:srgbClr val="C00000"/>
                 </a:solidFill>
               </a:rPr>
-              <a:t>A</a:t>
+              <a:t>X</a:t>
             </a:r>
+            <a:endParaRPr lang="en-US" sz="8000" dirty="0">
+              <a:solidFill>
+                <a:srgbClr val="C00000"/>
+              </a:solidFill>
+            </a:endParaRPr>
           </a:p>
         </p:txBody>
       </p:sp>
@@ -33594,13 +34439,18 @@
           <a:p>
             <a:pPr algn="ctr"/>
             <a:r>
-              <a:rPr lang="en-US" sz="8000" dirty="0">
+              <a:rPr lang="en-US" sz="8000" dirty="0" smtClean="0">
                 <a:solidFill>
                   <a:srgbClr val="C00000"/>
                 </a:solidFill>
               </a:rPr>
-              <a:t>B</a:t>
+              <a:t>Z</a:t>
             </a:r>
+            <a:endParaRPr lang="en-US" sz="8000" dirty="0">
+              <a:solidFill>
+                <a:srgbClr val="C00000"/>
+              </a:solidFill>
+            </a:endParaRPr>
           </a:p>
         </p:txBody>
       </p:sp>
@@ -33656,13 +34506,18 @@
           <a:p>
             <a:pPr algn="ctr"/>
             <a:r>
-              <a:rPr lang="en-US" sz="8000" dirty="0">
+              <a:rPr lang="en-US" sz="8000" dirty="0" smtClean="0">
                 <a:solidFill>
                   <a:srgbClr val="C00000"/>
                 </a:solidFill>
               </a:rPr>
-              <a:t>C</a:t>
+              <a:t>Y</a:t>
             </a:r>
+            <a:endParaRPr lang="en-US" sz="8000" dirty="0">
+              <a:solidFill>
+                <a:srgbClr val="C00000"/>
+              </a:solidFill>
+            </a:endParaRPr>
           </a:p>
         </p:txBody>
       </p:sp>
@@ -33942,13 +34797,18 @@
           <a:p>
             <a:pPr algn="ctr"/>
             <a:r>
-              <a:rPr lang="en-US" sz="8000" dirty="0">
+              <a:rPr lang="en-US" sz="8000" dirty="0" smtClean="0">
                 <a:solidFill>
                   <a:srgbClr val="C00000"/>
                 </a:solidFill>
               </a:rPr>
-              <a:t>A</a:t>
+              <a:t>X</a:t>
             </a:r>
+            <a:endParaRPr lang="en-US" sz="8000" dirty="0">
+              <a:solidFill>
+                <a:srgbClr val="C00000"/>
+              </a:solidFill>
+            </a:endParaRPr>
           </a:p>
         </p:txBody>
       </p:sp>
@@ -34004,13 +34864,18 @@
           <a:p>
             <a:pPr algn="ctr"/>
             <a:r>
-              <a:rPr lang="en-US" sz="8000" dirty="0">
+              <a:rPr lang="en-US" sz="8000" dirty="0" smtClean="0">
                 <a:solidFill>
                   <a:srgbClr val="C00000"/>
                 </a:solidFill>
               </a:rPr>
-              <a:t>B</a:t>
+              <a:t>Z</a:t>
             </a:r>
+            <a:endParaRPr lang="en-US" sz="8000" dirty="0">
+              <a:solidFill>
+                <a:srgbClr val="C00000"/>
+              </a:solidFill>
+            </a:endParaRPr>
           </a:p>
         </p:txBody>
       </p:sp>
@@ -34066,13 +34931,18 @@
           <a:p>
             <a:pPr algn="ctr"/>
             <a:r>
-              <a:rPr lang="en-US" sz="8000" dirty="0">
+              <a:rPr lang="en-US" sz="8000" dirty="0" smtClean="0">
                 <a:solidFill>
                   <a:srgbClr val="C00000"/>
                 </a:solidFill>
               </a:rPr>
-              <a:t>C</a:t>
+              <a:t>Y</a:t>
             </a:r>
+            <a:endParaRPr lang="en-US" sz="8000" dirty="0">
+              <a:solidFill>
+                <a:srgbClr val="C00000"/>
+              </a:solidFill>
+            </a:endParaRPr>
           </a:p>
         </p:txBody>
       </p:sp>
@@ -34349,13 +35219,18 @@
           <a:p>
             <a:pPr algn="ctr"/>
             <a:r>
-              <a:rPr lang="en-US" sz="8000" dirty="0">
+              <a:rPr lang="en-US" sz="8000" dirty="0" smtClean="0">
                 <a:solidFill>
                   <a:srgbClr val="C00000"/>
                 </a:solidFill>
               </a:rPr>
-              <a:t>A</a:t>
+              <a:t>X</a:t>
             </a:r>
+            <a:endParaRPr lang="en-US" sz="8000" dirty="0">
+              <a:solidFill>
+                <a:srgbClr val="C00000"/>
+              </a:solidFill>
+            </a:endParaRPr>
           </a:p>
         </p:txBody>
       </p:sp>
@@ -34411,13 +35286,18 @@
           <a:p>
             <a:pPr algn="ctr"/>
             <a:r>
-              <a:rPr lang="en-US" sz="8000" dirty="0">
+              <a:rPr lang="en-US" sz="8000" dirty="0" smtClean="0">
                 <a:solidFill>
                   <a:srgbClr val="C00000"/>
                 </a:solidFill>
               </a:rPr>
-              <a:t>B</a:t>
+              <a:t>Z</a:t>
             </a:r>
+            <a:endParaRPr lang="en-US" sz="8000" dirty="0">
+              <a:solidFill>
+                <a:srgbClr val="C00000"/>
+              </a:solidFill>
+            </a:endParaRPr>
           </a:p>
         </p:txBody>
       </p:sp>
@@ -34473,13 +35353,18 @@
           <a:p>
             <a:pPr algn="ctr"/>
             <a:r>
-              <a:rPr lang="en-US" sz="8000" dirty="0">
+              <a:rPr lang="en-US" sz="8000" dirty="0" smtClean="0">
                 <a:solidFill>
                   <a:srgbClr val="C00000"/>
                 </a:solidFill>
               </a:rPr>
-              <a:t>C</a:t>
+              <a:t>Y</a:t>
             </a:r>
+            <a:endParaRPr lang="en-US" sz="8000" dirty="0">
+              <a:solidFill>
+                <a:srgbClr val="C00000"/>
+              </a:solidFill>
+            </a:endParaRPr>
           </a:p>
         </p:txBody>
       </p:sp>
@@ -34756,13 +35641,18 @@
           <a:p>
             <a:pPr algn="ctr"/>
             <a:r>
-              <a:rPr lang="en-US" sz="8000" dirty="0">
+              <a:rPr lang="en-US" sz="8000" dirty="0" smtClean="0">
                 <a:solidFill>
                   <a:srgbClr val="C00000"/>
                 </a:solidFill>
               </a:rPr>
-              <a:t>A</a:t>
+              <a:t>X</a:t>
             </a:r>
+            <a:endParaRPr lang="en-US" sz="8000" dirty="0">
+              <a:solidFill>
+                <a:srgbClr val="C00000"/>
+              </a:solidFill>
+            </a:endParaRPr>
           </a:p>
         </p:txBody>
       </p:sp>
@@ -34818,13 +35708,18 @@
           <a:p>
             <a:pPr algn="ctr"/>
             <a:r>
-              <a:rPr lang="en-US" sz="8000" dirty="0">
+              <a:rPr lang="en-US" sz="8000" dirty="0" smtClean="0">
                 <a:solidFill>
                   <a:srgbClr val="C00000"/>
                 </a:solidFill>
               </a:rPr>
-              <a:t>B</a:t>
+              <a:t>Z</a:t>
             </a:r>
+            <a:endParaRPr lang="en-US" sz="8000" dirty="0">
+              <a:solidFill>
+                <a:srgbClr val="C00000"/>
+              </a:solidFill>
+            </a:endParaRPr>
           </a:p>
         </p:txBody>
       </p:sp>
@@ -34880,13 +35775,18 @@
           <a:p>
             <a:pPr algn="ctr"/>
             <a:r>
-              <a:rPr lang="en-US" sz="8000" dirty="0">
+              <a:rPr lang="en-US" sz="8000" dirty="0" smtClean="0">
                 <a:solidFill>
                   <a:srgbClr val="C00000"/>
                 </a:solidFill>
               </a:rPr>
-              <a:t>C</a:t>
+              <a:t>Y</a:t>
             </a:r>
+            <a:endParaRPr lang="en-US" sz="8000" dirty="0">
+              <a:solidFill>
+                <a:srgbClr val="C00000"/>
+              </a:solidFill>
+            </a:endParaRPr>
           </a:p>
         </p:txBody>
       </p:sp>
@@ -35163,13 +36063,18 @@
           <a:p>
             <a:pPr algn="ctr"/>
             <a:r>
-              <a:rPr lang="en-US" sz="8000" dirty="0">
+              <a:rPr lang="en-US" sz="8000" dirty="0" smtClean="0">
                 <a:solidFill>
                   <a:srgbClr val="C00000"/>
                 </a:solidFill>
               </a:rPr>
-              <a:t>A</a:t>
+              <a:t>X</a:t>
             </a:r>
+            <a:endParaRPr lang="en-US" sz="8000" dirty="0">
+              <a:solidFill>
+                <a:srgbClr val="C00000"/>
+              </a:solidFill>
+            </a:endParaRPr>
           </a:p>
         </p:txBody>
       </p:sp>
@@ -35225,13 +36130,18 @@
           <a:p>
             <a:pPr algn="ctr"/>
             <a:r>
-              <a:rPr lang="en-US" sz="8000" dirty="0">
+              <a:rPr lang="en-US" sz="8000" dirty="0" smtClean="0">
                 <a:solidFill>
                   <a:srgbClr val="C00000"/>
                 </a:solidFill>
               </a:rPr>
-              <a:t>B</a:t>
+              <a:t>Z</a:t>
             </a:r>
+            <a:endParaRPr lang="en-US" sz="8000" dirty="0">
+              <a:solidFill>
+                <a:srgbClr val="C00000"/>
+              </a:solidFill>
+            </a:endParaRPr>
           </a:p>
         </p:txBody>
       </p:sp>
@@ -35287,13 +36197,18 @@
           <a:p>
             <a:pPr algn="ctr"/>
             <a:r>
-              <a:rPr lang="en-US" sz="8000" dirty="0">
+              <a:rPr lang="en-US" sz="8000" dirty="0" smtClean="0">
                 <a:solidFill>
                   <a:srgbClr val="C00000"/>
                 </a:solidFill>
               </a:rPr>
-              <a:t>C</a:t>
+              <a:t>Y</a:t>
             </a:r>
+            <a:endParaRPr lang="en-US" sz="8000" dirty="0">
+              <a:solidFill>
+                <a:srgbClr val="C00000"/>
+              </a:solidFill>
+            </a:endParaRPr>
           </a:p>
         </p:txBody>
       </p:sp>
@@ -35573,13 +36488,18 @@
           <a:p>
             <a:pPr algn="ctr"/>
             <a:r>
-              <a:rPr lang="en-US" sz="8000" dirty="0">
+              <a:rPr lang="en-US" sz="8000" dirty="0" smtClean="0">
                 <a:solidFill>
                   <a:srgbClr val="C00000"/>
                 </a:solidFill>
               </a:rPr>
-              <a:t>A</a:t>
+              <a:t>X</a:t>
             </a:r>
+            <a:endParaRPr lang="en-US" sz="8000" dirty="0">
+              <a:solidFill>
+                <a:srgbClr val="C00000"/>
+              </a:solidFill>
+            </a:endParaRPr>
           </a:p>
         </p:txBody>
       </p:sp>
@@ -35635,13 +36555,18 @@
           <a:p>
             <a:pPr algn="ctr"/>
             <a:r>
-              <a:rPr lang="en-US" sz="8000" dirty="0">
+              <a:rPr lang="en-US" sz="8000" dirty="0" smtClean="0">
                 <a:solidFill>
                   <a:srgbClr val="C00000"/>
                 </a:solidFill>
               </a:rPr>
-              <a:t>B</a:t>
+              <a:t>Z</a:t>
             </a:r>
+            <a:endParaRPr lang="en-US" sz="8000" dirty="0">
+              <a:solidFill>
+                <a:srgbClr val="C00000"/>
+              </a:solidFill>
+            </a:endParaRPr>
           </a:p>
         </p:txBody>
       </p:sp>
@@ -35697,13 +36622,18 @@
           <a:p>
             <a:pPr algn="ctr"/>
             <a:r>
-              <a:rPr lang="en-US" sz="8000" dirty="0">
+              <a:rPr lang="en-US" sz="8000" dirty="0" smtClean="0">
                 <a:solidFill>
                   <a:srgbClr val="C00000"/>
                 </a:solidFill>
               </a:rPr>
-              <a:t>C</a:t>
+              <a:t>Y</a:t>
             </a:r>
+            <a:endParaRPr lang="en-US" sz="8000" dirty="0">
+              <a:solidFill>
+                <a:srgbClr val="C00000"/>
+              </a:solidFill>
+            </a:endParaRPr>
           </a:p>
         </p:txBody>
       </p:sp>
@@ -35981,13 +36911,18 @@
           <a:p>
             <a:pPr algn="ctr"/>
             <a:r>
-              <a:rPr lang="en-US" sz="8000" dirty="0">
+              <a:rPr lang="en-US" sz="8000" dirty="0" smtClean="0">
                 <a:solidFill>
                   <a:srgbClr val="C00000"/>
                 </a:solidFill>
               </a:rPr>
-              <a:t>A</a:t>
+              <a:t>X</a:t>
             </a:r>
+            <a:endParaRPr lang="en-US" sz="8000" dirty="0">
+              <a:solidFill>
+                <a:srgbClr val="C00000"/>
+              </a:solidFill>
+            </a:endParaRPr>
           </a:p>
         </p:txBody>
       </p:sp>
@@ -36043,13 +36978,18 @@
           <a:p>
             <a:pPr algn="ctr"/>
             <a:r>
-              <a:rPr lang="en-US" sz="8000" dirty="0">
+              <a:rPr lang="en-US" sz="8000" dirty="0" smtClean="0">
                 <a:solidFill>
                   <a:srgbClr val="C00000"/>
                 </a:solidFill>
               </a:rPr>
-              <a:t>B</a:t>
+              <a:t>Z</a:t>
             </a:r>
+            <a:endParaRPr lang="en-US" sz="8000" dirty="0">
+              <a:solidFill>
+                <a:srgbClr val="C00000"/>
+              </a:solidFill>
+            </a:endParaRPr>
           </a:p>
         </p:txBody>
       </p:sp>
@@ -36105,13 +37045,18 @@
           <a:p>
             <a:pPr algn="ctr"/>
             <a:r>
-              <a:rPr lang="en-US" sz="8000" dirty="0">
+              <a:rPr lang="en-US" sz="8000" dirty="0" smtClean="0">
                 <a:solidFill>
                   <a:srgbClr val="C00000"/>
                 </a:solidFill>
               </a:rPr>
-              <a:t>C</a:t>
+              <a:t>Y</a:t>
             </a:r>
+            <a:endParaRPr lang="en-US" sz="8000" dirty="0">
+              <a:solidFill>
+                <a:srgbClr val="C00000"/>
+              </a:solidFill>
+            </a:endParaRPr>
           </a:p>
         </p:txBody>
       </p:sp>
@@ -36389,13 +37334,18 @@
           <a:p>
             <a:pPr algn="ctr"/>
             <a:r>
-              <a:rPr lang="en-US" sz="8000" dirty="0">
+              <a:rPr lang="en-US" sz="8000" dirty="0" smtClean="0">
                 <a:solidFill>
                   <a:srgbClr val="C00000"/>
                 </a:solidFill>
               </a:rPr>
-              <a:t>A</a:t>
+              <a:t>X</a:t>
             </a:r>
+            <a:endParaRPr lang="en-US" sz="8000" dirty="0">
+              <a:solidFill>
+                <a:srgbClr val="C00000"/>
+              </a:solidFill>
+            </a:endParaRPr>
           </a:p>
         </p:txBody>
       </p:sp>
@@ -36451,13 +37401,18 @@
           <a:p>
             <a:pPr algn="ctr"/>
             <a:r>
-              <a:rPr lang="en-US" sz="8000" dirty="0">
+              <a:rPr lang="en-US" sz="8000" dirty="0" smtClean="0">
                 <a:solidFill>
                   <a:srgbClr val="C00000"/>
                 </a:solidFill>
               </a:rPr>
-              <a:t>B</a:t>
+              <a:t>Z</a:t>
             </a:r>
+            <a:endParaRPr lang="en-US" sz="8000" dirty="0">
+              <a:solidFill>
+                <a:srgbClr val="C00000"/>
+              </a:solidFill>
+            </a:endParaRPr>
           </a:p>
         </p:txBody>
       </p:sp>
@@ -36513,13 +37468,18 @@
           <a:p>
             <a:pPr algn="ctr"/>
             <a:r>
-              <a:rPr lang="en-US" sz="8000" dirty="0">
+              <a:rPr lang="en-US" sz="8000" dirty="0" smtClean="0">
                 <a:solidFill>
                   <a:srgbClr val="C00000"/>
                 </a:solidFill>
               </a:rPr>
-              <a:t>C</a:t>
+              <a:t>Y</a:t>
             </a:r>
+            <a:endParaRPr lang="en-US" sz="8000" dirty="0">
+              <a:solidFill>
+                <a:srgbClr val="C00000"/>
+              </a:solidFill>
+            </a:endParaRPr>
           </a:p>
         </p:txBody>
       </p:sp>
@@ -36797,13 +37757,18 @@
           <a:p>
             <a:pPr algn="ctr"/>
             <a:r>
-              <a:rPr lang="en-US" sz="8000" dirty="0">
+              <a:rPr lang="en-US" sz="8000" dirty="0" smtClean="0">
                 <a:solidFill>
                   <a:srgbClr val="C00000"/>
                 </a:solidFill>
               </a:rPr>
-              <a:t>A</a:t>
+              <a:t>X</a:t>
             </a:r>
+            <a:endParaRPr lang="en-US" sz="8000" dirty="0">
+              <a:solidFill>
+                <a:srgbClr val="C00000"/>
+              </a:solidFill>
+            </a:endParaRPr>
           </a:p>
         </p:txBody>
       </p:sp>
@@ -36859,13 +37824,18 @@
           <a:p>
             <a:pPr algn="ctr"/>
             <a:r>
-              <a:rPr lang="en-US" sz="8000" dirty="0">
+              <a:rPr lang="en-US" sz="8000" dirty="0" smtClean="0">
                 <a:solidFill>
                   <a:srgbClr val="C00000"/>
                 </a:solidFill>
               </a:rPr>
-              <a:t>B</a:t>
+              <a:t>Z</a:t>
             </a:r>
+            <a:endParaRPr lang="en-US" sz="8000" dirty="0">
+              <a:solidFill>
+                <a:srgbClr val="C00000"/>
+              </a:solidFill>
+            </a:endParaRPr>
           </a:p>
         </p:txBody>
       </p:sp>
@@ -36921,13 +37891,18 @@
           <a:p>
             <a:pPr algn="ctr"/>
             <a:r>
-              <a:rPr lang="en-US" sz="8000" dirty="0">
+              <a:rPr lang="en-US" sz="8000" dirty="0" smtClean="0">
                 <a:solidFill>
                   <a:srgbClr val="C00000"/>
                 </a:solidFill>
               </a:rPr>
-              <a:t>C</a:t>
+              <a:t>Y</a:t>
             </a:r>
+            <a:endParaRPr lang="en-US" sz="8000" dirty="0">
+              <a:solidFill>
+                <a:srgbClr val="C00000"/>
+              </a:solidFill>
+            </a:endParaRPr>
           </a:p>
         </p:txBody>
       </p:sp>
@@ -37205,13 +38180,18 @@
           <a:p>
             <a:pPr algn="ctr"/>
             <a:r>
-              <a:rPr lang="en-US" sz="8000" dirty="0">
+              <a:rPr lang="en-US" sz="8000" dirty="0" smtClean="0">
                 <a:solidFill>
                   <a:srgbClr val="C00000"/>
                 </a:solidFill>
               </a:rPr>
-              <a:t>A</a:t>
+              <a:t>X</a:t>
             </a:r>
+            <a:endParaRPr lang="en-US" sz="8000" dirty="0">
+              <a:solidFill>
+                <a:srgbClr val="C00000"/>
+              </a:solidFill>
+            </a:endParaRPr>
           </a:p>
         </p:txBody>
       </p:sp>
@@ -37267,13 +38247,18 @@
           <a:p>
             <a:pPr algn="ctr"/>
             <a:r>
-              <a:rPr lang="en-US" sz="8000" dirty="0">
+              <a:rPr lang="en-US" sz="8000" smtClean="0">
                 <a:solidFill>
                   <a:srgbClr val="C00000"/>
                 </a:solidFill>
               </a:rPr>
-              <a:t>B</a:t>
+              <a:t>Z</a:t>
             </a:r>
+            <a:endParaRPr lang="en-US" sz="8000" dirty="0">
+              <a:solidFill>
+                <a:srgbClr val="C00000"/>
+              </a:solidFill>
+            </a:endParaRPr>
           </a:p>
         </p:txBody>
       </p:sp>
@@ -37329,13 +38314,18 @@
           <a:p>
             <a:pPr algn="ctr"/>
             <a:r>
-              <a:rPr lang="en-US" sz="8000" dirty="0">
+              <a:rPr lang="en-US" sz="8000" dirty="0" smtClean="0">
                 <a:solidFill>
                   <a:srgbClr val="C00000"/>
                 </a:solidFill>
               </a:rPr>
-              <a:t>C</a:t>
+              <a:t>Y</a:t>
             </a:r>
+            <a:endParaRPr lang="en-US" sz="8000" dirty="0">
+              <a:solidFill>
+                <a:srgbClr val="C00000"/>
+              </a:solidFill>
+            </a:endParaRPr>
           </a:p>
         </p:txBody>
       </p:sp>
@@ -37613,13 +38603,18 @@
           <a:p>
             <a:pPr algn="ctr"/>
             <a:r>
-              <a:rPr lang="en-US" sz="8000" dirty="0">
+              <a:rPr lang="en-US" sz="8000" dirty="0" smtClean="0">
                 <a:solidFill>
                   <a:srgbClr val="C00000"/>
                 </a:solidFill>
               </a:rPr>
-              <a:t>A</a:t>
+              <a:t>X</a:t>
             </a:r>
+            <a:endParaRPr lang="en-US" sz="8000" dirty="0">
+              <a:solidFill>
+                <a:srgbClr val="C00000"/>
+              </a:solidFill>
+            </a:endParaRPr>
           </a:p>
         </p:txBody>
       </p:sp>
@@ -37675,13 +38670,18 @@
           <a:p>
             <a:pPr algn="ctr"/>
             <a:r>
-              <a:rPr lang="en-US" sz="8000" dirty="0">
+              <a:rPr lang="en-US" sz="8000" smtClean="0">
                 <a:solidFill>
                   <a:srgbClr val="C00000"/>
                 </a:solidFill>
               </a:rPr>
-              <a:t>B</a:t>
+              <a:t>Z</a:t>
             </a:r>
+            <a:endParaRPr lang="en-US" sz="8000" dirty="0">
+              <a:solidFill>
+                <a:srgbClr val="C00000"/>
+              </a:solidFill>
+            </a:endParaRPr>
           </a:p>
         </p:txBody>
       </p:sp>
@@ -37737,13 +38737,18 @@
           <a:p>
             <a:pPr algn="ctr"/>
             <a:r>
-              <a:rPr lang="en-US" sz="8000" dirty="0">
+              <a:rPr lang="en-US" sz="8000" dirty="0" smtClean="0">
                 <a:solidFill>
                   <a:srgbClr val="C00000"/>
                 </a:solidFill>
               </a:rPr>
-              <a:t>C</a:t>
+              <a:t>Y</a:t>
             </a:r>
+            <a:endParaRPr lang="en-US" sz="8000" dirty="0">
+              <a:solidFill>
+                <a:srgbClr val="C00000"/>
+              </a:solidFill>
+            </a:endParaRPr>
           </a:p>
         </p:txBody>
       </p:sp>
@@ -38023,13 +39028,18 @@
           <a:p>
             <a:pPr algn="ctr"/>
             <a:r>
-              <a:rPr lang="en-US" sz="8000" dirty="0">
+              <a:rPr lang="en-US" sz="8000" dirty="0" smtClean="0">
                 <a:solidFill>
                   <a:srgbClr val="C00000"/>
                 </a:solidFill>
               </a:rPr>
-              <a:t>A</a:t>
+              <a:t>X</a:t>
             </a:r>
+            <a:endParaRPr lang="en-US" sz="8000" dirty="0">
+              <a:solidFill>
+                <a:srgbClr val="C00000"/>
+              </a:solidFill>
+            </a:endParaRPr>
           </a:p>
         </p:txBody>
       </p:sp>
@@ -38085,13 +39095,18 @@
           <a:p>
             <a:pPr algn="ctr"/>
             <a:r>
-              <a:rPr lang="en-US" sz="8000" dirty="0">
+              <a:rPr lang="en-US" sz="8000" smtClean="0">
                 <a:solidFill>
                   <a:srgbClr val="C00000"/>
                 </a:solidFill>
               </a:rPr>
-              <a:t>B</a:t>
+              <a:t>Z</a:t>
             </a:r>
+            <a:endParaRPr lang="en-US" sz="8000" dirty="0">
+              <a:solidFill>
+                <a:srgbClr val="C00000"/>
+              </a:solidFill>
+            </a:endParaRPr>
           </a:p>
         </p:txBody>
       </p:sp>
@@ -38147,13 +39162,18 @@
           <a:p>
             <a:pPr algn="ctr"/>
             <a:r>
-              <a:rPr lang="en-US" sz="8000" dirty="0">
+              <a:rPr lang="en-US" sz="8000" dirty="0" smtClean="0">
                 <a:solidFill>
                   <a:srgbClr val="C00000"/>
                 </a:solidFill>
               </a:rPr>
-              <a:t>C</a:t>
+              <a:t>Y</a:t>
             </a:r>
+            <a:endParaRPr lang="en-US" sz="8000" dirty="0">
+              <a:solidFill>
+                <a:srgbClr val="C00000"/>
+              </a:solidFill>
+            </a:endParaRPr>
           </a:p>
         </p:txBody>
       </p:sp>
@@ -38428,13 +39448,18 @@
           <a:p>
             <a:pPr algn="ctr"/>
             <a:r>
-              <a:rPr lang="en-US" sz="8000" dirty="0">
+              <a:rPr lang="en-US" sz="8000" dirty="0" smtClean="0">
                 <a:solidFill>
                   <a:srgbClr val="C00000"/>
                 </a:solidFill>
               </a:rPr>
-              <a:t>A</a:t>
+              <a:t>X</a:t>
             </a:r>
+            <a:endParaRPr lang="en-US" sz="8000" dirty="0">
+              <a:solidFill>
+                <a:srgbClr val="C00000"/>
+              </a:solidFill>
+            </a:endParaRPr>
           </a:p>
         </p:txBody>
       </p:sp>
@@ -38490,13 +39515,18 @@
           <a:p>
             <a:pPr algn="ctr"/>
             <a:r>
-              <a:rPr lang="en-US" sz="8000" dirty="0">
+              <a:rPr lang="en-US" sz="8000" smtClean="0">
                 <a:solidFill>
                   <a:srgbClr val="C00000"/>
                 </a:solidFill>
               </a:rPr>
-              <a:t>B</a:t>
+              <a:t>Z</a:t>
             </a:r>
+            <a:endParaRPr lang="en-US" sz="8000" dirty="0">
+              <a:solidFill>
+                <a:srgbClr val="C00000"/>
+              </a:solidFill>
+            </a:endParaRPr>
           </a:p>
         </p:txBody>
       </p:sp>
@@ -38552,13 +39582,18 @@
           <a:p>
             <a:pPr algn="ctr"/>
             <a:r>
-              <a:rPr lang="en-US" sz="8000" dirty="0">
+              <a:rPr lang="en-US" sz="8000" dirty="0" smtClean="0">
                 <a:solidFill>
                   <a:srgbClr val="C00000"/>
                 </a:solidFill>
               </a:rPr>
-              <a:t>C</a:t>
+              <a:t>Y</a:t>
             </a:r>
+            <a:endParaRPr lang="en-US" sz="8000" dirty="0">
+              <a:solidFill>
+                <a:srgbClr val="C00000"/>
+              </a:solidFill>
+            </a:endParaRPr>
           </a:p>
         </p:txBody>
       </p:sp>
@@ -38833,13 +39868,18 @@
           <a:p>
             <a:pPr algn="ctr"/>
             <a:r>
-              <a:rPr lang="en-US" sz="8000" dirty="0">
+              <a:rPr lang="en-US" sz="8000" dirty="0" smtClean="0">
                 <a:solidFill>
                   <a:srgbClr val="C00000"/>
                 </a:solidFill>
               </a:rPr>
-              <a:t>A</a:t>
+              <a:t>X</a:t>
             </a:r>
+            <a:endParaRPr lang="en-US" sz="8000" dirty="0">
+              <a:solidFill>
+                <a:srgbClr val="C00000"/>
+              </a:solidFill>
+            </a:endParaRPr>
           </a:p>
         </p:txBody>
       </p:sp>
@@ -38895,13 +39935,18 @@
           <a:p>
             <a:pPr algn="ctr"/>
             <a:r>
-              <a:rPr lang="en-US" sz="8000" dirty="0">
+              <a:rPr lang="en-US" sz="8000" smtClean="0">
                 <a:solidFill>
                   <a:srgbClr val="C00000"/>
                 </a:solidFill>
               </a:rPr>
-              <a:t>B</a:t>
+              <a:t>Z</a:t>
             </a:r>
+            <a:endParaRPr lang="en-US" sz="8000" dirty="0">
+              <a:solidFill>
+                <a:srgbClr val="C00000"/>
+              </a:solidFill>
+            </a:endParaRPr>
           </a:p>
         </p:txBody>
       </p:sp>
@@ -38957,13 +40002,18 @@
           <a:p>
             <a:pPr algn="ctr"/>
             <a:r>
-              <a:rPr lang="en-US" sz="8000" dirty="0">
+              <a:rPr lang="en-US" sz="8000" dirty="0" smtClean="0">
                 <a:solidFill>
                   <a:srgbClr val="C00000"/>
                 </a:solidFill>
               </a:rPr>
-              <a:t>C</a:t>
+              <a:t>Y</a:t>
             </a:r>
+            <a:endParaRPr lang="en-US" sz="8000" dirty="0">
+              <a:solidFill>
+                <a:srgbClr val="C00000"/>
+              </a:solidFill>
+            </a:endParaRPr>
           </a:p>
         </p:txBody>
       </p:sp>
@@ -39238,13 +40288,18 @@
           <a:p>
             <a:pPr algn="ctr"/>
             <a:r>
-              <a:rPr lang="en-US" sz="8000" dirty="0">
+              <a:rPr lang="en-US" sz="8000" dirty="0" smtClean="0">
                 <a:solidFill>
                   <a:srgbClr val="C00000"/>
                 </a:solidFill>
               </a:rPr>
-              <a:t>A</a:t>
+              <a:t>X</a:t>
             </a:r>
+            <a:endParaRPr lang="en-US" sz="8000" dirty="0">
+              <a:solidFill>
+                <a:srgbClr val="C00000"/>
+              </a:solidFill>
+            </a:endParaRPr>
           </a:p>
         </p:txBody>
       </p:sp>
@@ -39300,13 +40355,18 @@
           <a:p>
             <a:pPr algn="ctr"/>
             <a:r>
-              <a:rPr lang="en-US" sz="8000" dirty="0">
+              <a:rPr lang="en-US" sz="8000" smtClean="0">
                 <a:solidFill>
                   <a:srgbClr val="C00000"/>
                 </a:solidFill>
               </a:rPr>
-              <a:t>B</a:t>
+              <a:t>Z</a:t>
             </a:r>
+            <a:endParaRPr lang="en-US" sz="8000" dirty="0">
+              <a:solidFill>
+                <a:srgbClr val="C00000"/>
+              </a:solidFill>
+            </a:endParaRPr>
           </a:p>
         </p:txBody>
       </p:sp>
@@ -39362,13 +40422,18 @@
           <a:p>
             <a:pPr algn="ctr"/>
             <a:r>
-              <a:rPr lang="en-US" sz="8000" dirty="0">
+              <a:rPr lang="en-US" sz="8000" dirty="0" smtClean="0">
                 <a:solidFill>
                   <a:srgbClr val="C00000"/>
                 </a:solidFill>
               </a:rPr>
-              <a:t>C</a:t>
+              <a:t>Y</a:t>
             </a:r>
+            <a:endParaRPr lang="en-US" sz="8000" dirty="0">
+              <a:solidFill>
+                <a:srgbClr val="C00000"/>
+              </a:solidFill>
+            </a:endParaRPr>
           </a:p>
         </p:txBody>
       </p:sp>
@@ -39646,13 +40711,18 @@
           <a:p>
             <a:pPr algn="ctr"/>
             <a:r>
-              <a:rPr lang="en-US" sz="8000" dirty="0">
+              <a:rPr lang="en-US" sz="8000" dirty="0" smtClean="0">
                 <a:solidFill>
                   <a:srgbClr val="C00000"/>
                 </a:solidFill>
               </a:rPr>
-              <a:t>A</a:t>
+              <a:t>X</a:t>
             </a:r>
+            <a:endParaRPr lang="en-US" sz="8000" dirty="0">
+              <a:solidFill>
+                <a:srgbClr val="C00000"/>
+              </a:solidFill>
+            </a:endParaRPr>
           </a:p>
         </p:txBody>
       </p:sp>
@@ -39708,13 +40778,18 @@
           <a:p>
             <a:pPr algn="ctr"/>
             <a:r>
-              <a:rPr lang="en-US" sz="8000" dirty="0">
+              <a:rPr lang="en-US" sz="8000" smtClean="0">
                 <a:solidFill>
                   <a:srgbClr val="C00000"/>
                 </a:solidFill>
               </a:rPr>
-              <a:t>B</a:t>
+              <a:t>Z</a:t>
             </a:r>
+            <a:endParaRPr lang="en-US" sz="8000" dirty="0">
+              <a:solidFill>
+                <a:srgbClr val="C00000"/>
+              </a:solidFill>
+            </a:endParaRPr>
           </a:p>
         </p:txBody>
       </p:sp>
@@ -39770,13 +40845,18 @@
           <a:p>
             <a:pPr algn="ctr"/>
             <a:r>
-              <a:rPr lang="en-US" sz="8000" dirty="0">
+              <a:rPr lang="en-US" sz="8000" dirty="0" smtClean="0">
                 <a:solidFill>
                   <a:srgbClr val="C00000"/>
                 </a:solidFill>
               </a:rPr>
-              <a:t>C</a:t>
+              <a:t>Y</a:t>
             </a:r>
+            <a:endParaRPr lang="en-US" sz="8000" dirty="0">
+              <a:solidFill>
+                <a:srgbClr val="C00000"/>
+              </a:solidFill>
+            </a:endParaRPr>
           </a:p>
         </p:txBody>
       </p:sp>
@@ -40054,13 +41134,18 @@
           <a:p>
             <a:pPr algn="ctr"/>
             <a:r>
-              <a:rPr lang="en-US" sz="8000" dirty="0">
+              <a:rPr lang="en-US" sz="8000" dirty="0" smtClean="0">
                 <a:solidFill>
                   <a:srgbClr val="C00000"/>
                 </a:solidFill>
               </a:rPr>
-              <a:t>A</a:t>
+              <a:t>X</a:t>
             </a:r>
+            <a:endParaRPr lang="en-US" sz="8000" dirty="0">
+              <a:solidFill>
+                <a:srgbClr val="C00000"/>
+              </a:solidFill>
+            </a:endParaRPr>
           </a:p>
         </p:txBody>
       </p:sp>
@@ -40116,13 +41201,18 @@
           <a:p>
             <a:pPr algn="ctr"/>
             <a:r>
-              <a:rPr lang="en-US" sz="8000" dirty="0">
+              <a:rPr lang="en-US" sz="8000" smtClean="0">
                 <a:solidFill>
                   <a:srgbClr val="C00000"/>
                 </a:solidFill>
               </a:rPr>
-              <a:t>B</a:t>
+              <a:t>Z</a:t>
             </a:r>
+            <a:endParaRPr lang="en-US" sz="8000" dirty="0">
+              <a:solidFill>
+                <a:srgbClr val="C00000"/>
+              </a:solidFill>
+            </a:endParaRPr>
           </a:p>
         </p:txBody>
       </p:sp>
@@ -40178,13 +41268,18 @@
           <a:p>
             <a:pPr algn="ctr"/>
             <a:r>
-              <a:rPr lang="en-US" sz="8000" dirty="0">
+              <a:rPr lang="en-US" sz="8000" dirty="0" smtClean="0">
                 <a:solidFill>
                   <a:srgbClr val="C00000"/>
                 </a:solidFill>
               </a:rPr>
-              <a:t>C</a:t>
+              <a:t>Y</a:t>
             </a:r>
+            <a:endParaRPr lang="en-US" sz="8000" dirty="0">
+              <a:solidFill>
+                <a:srgbClr val="C00000"/>
+              </a:solidFill>
+            </a:endParaRPr>
           </a:p>
         </p:txBody>
       </p:sp>
@@ -40462,13 +41557,18 @@
           <a:p>
             <a:pPr algn="ctr"/>
             <a:r>
-              <a:rPr lang="en-US" sz="8000" dirty="0">
+              <a:rPr lang="en-US" sz="8000" dirty="0" smtClean="0">
                 <a:solidFill>
                   <a:srgbClr val="C00000"/>
                 </a:solidFill>
               </a:rPr>
-              <a:t>A</a:t>
+              <a:t>X</a:t>
             </a:r>
+            <a:endParaRPr lang="en-US" sz="8000" dirty="0">
+              <a:solidFill>
+                <a:srgbClr val="C00000"/>
+              </a:solidFill>
+            </a:endParaRPr>
           </a:p>
         </p:txBody>
       </p:sp>
@@ -40524,13 +41624,18 @@
           <a:p>
             <a:pPr algn="ctr"/>
             <a:r>
-              <a:rPr lang="en-US" sz="8000" dirty="0">
+              <a:rPr lang="en-US" sz="8000" smtClean="0">
                 <a:solidFill>
                   <a:srgbClr val="C00000"/>
                 </a:solidFill>
               </a:rPr>
-              <a:t>B</a:t>
+              <a:t>Z</a:t>
             </a:r>
+            <a:endParaRPr lang="en-US" sz="8000" dirty="0">
+              <a:solidFill>
+                <a:srgbClr val="C00000"/>
+              </a:solidFill>
+            </a:endParaRPr>
           </a:p>
         </p:txBody>
       </p:sp>
@@ -40586,13 +41691,18 @@
           <a:p>
             <a:pPr algn="ctr"/>
             <a:r>
-              <a:rPr lang="en-US" sz="8000" dirty="0">
+              <a:rPr lang="en-US" sz="8000" dirty="0" smtClean="0">
                 <a:solidFill>
                   <a:srgbClr val="C00000"/>
                 </a:solidFill>
               </a:rPr>
-              <a:t>C</a:t>
+              <a:t>Y</a:t>
             </a:r>
+            <a:endParaRPr lang="en-US" sz="8000" dirty="0">
+              <a:solidFill>
+                <a:srgbClr val="C00000"/>
+              </a:solidFill>
+            </a:endParaRPr>
           </a:p>
         </p:txBody>
       </p:sp>
@@ -40870,13 +41980,18 @@
           <a:p>
             <a:pPr algn="ctr"/>
             <a:r>
-              <a:rPr lang="en-US" sz="8000" dirty="0">
+              <a:rPr lang="en-US" sz="8000" dirty="0" smtClean="0">
                 <a:solidFill>
                   <a:srgbClr val="C00000"/>
                 </a:solidFill>
               </a:rPr>
-              <a:t>A</a:t>
+              <a:t>X</a:t>
             </a:r>
+            <a:endParaRPr lang="en-US" sz="8000" dirty="0">
+              <a:solidFill>
+                <a:srgbClr val="C00000"/>
+              </a:solidFill>
+            </a:endParaRPr>
           </a:p>
         </p:txBody>
       </p:sp>
@@ -40932,13 +42047,18 @@
           <a:p>
             <a:pPr algn="ctr"/>
             <a:r>
-              <a:rPr lang="en-US" sz="8000" dirty="0">
+              <a:rPr lang="en-US" sz="8000" smtClean="0">
                 <a:solidFill>
                   <a:srgbClr val="C00000"/>
                 </a:solidFill>
               </a:rPr>
-              <a:t>B</a:t>
+              <a:t>Z</a:t>
             </a:r>
+            <a:endParaRPr lang="en-US" sz="8000" dirty="0">
+              <a:solidFill>
+                <a:srgbClr val="C00000"/>
+              </a:solidFill>
+            </a:endParaRPr>
           </a:p>
         </p:txBody>
       </p:sp>
@@ -40994,13 +42114,18 @@
           <a:p>
             <a:pPr algn="ctr"/>
             <a:r>
-              <a:rPr lang="en-US" sz="8000" dirty="0">
+              <a:rPr lang="en-US" sz="8000" dirty="0" smtClean="0">
                 <a:solidFill>
                   <a:srgbClr val="C00000"/>
                 </a:solidFill>
               </a:rPr>
-              <a:t>C</a:t>
+              <a:t>Y</a:t>
             </a:r>
+            <a:endParaRPr lang="en-US" sz="8000" dirty="0">
+              <a:solidFill>
+                <a:srgbClr val="C00000"/>
+              </a:solidFill>
+            </a:endParaRPr>
           </a:p>
         </p:txBody>
       </p:sp>
@@ -41278,13 +42403,18 @@
           <a:p>
             <a:pPr algn="ctr"/>
             <a:r>
-              <a:rPr lang="en-US" sz="8000" dirty="0">
+              <a:rPr lang="en-US" sz="8000" dirty="0" smtClean="0">
                 <a:solidFill>
                   <a:srgbClr val="C00000"/>
                 </a:solidFill>
               </a:rPr>
-              <a:t>A</a:t>
+              <a:t>X</a:t>
             </a:r>
+            <a:endParaRPr lang="en-US" sz="8000" dirty="0">
+              <a:solidFill>
+                <a:srgbClr val="C00000"/>
+              </a:solidFill>
+            </a:endParaRPr>
           </a:p>
         </p:txBody>
       </p:sp>
@@ -41340,13 +42470,18 @@
           <a:p>
             <a:pPr algn="ctr"/>
             <a:r>
-              <a:rPr lang="en-US" sz="8000" dirty="0">
+              <a:rPr lang="en-US" sz="8000" smtClean="0">
                 <a:solidFill>
                   <a:srgbClr val="C00000"/>
                 </a:solidFill>
               </a:rPr>
-              <a:t>B</a:t>
+              <a:t>Z</a:t>
             </a:r>
+            <a:endParaRPr lang="en-US" sz="8000" dirty="0">
+              <a:solidFill>
+                <a:srgbClr val="C00000"/>
+              </a:solidFill>
+            </a:endParaRPr>
           </a:p>
         </p:txBody>
       </p:sp>
@@ -41402,13 +42537,18 @@
           <a:p>
             <a:pPr algn="ctr"/>
             <a:r>
-              <a:rPr lang="en-US" sz="8000" dirty="0">
+              <a:rPr lang="en-US" sz="8000" dirty="0" smtClean="0">
                 <a:solidFill>
                   <a:srgbClr val="C00000"/>
                 </a:solidFill>
               </a:rPr>
-              <a:t>C</a:t>
+              <a:t>Y</a:t>
             </a:r>
+            <a:endParaRPr lang="en-US" sz="8000" dirty="0">
+              <a:solidFill>
+                <a:srgbClr val="C00000"/>
+              </a:solidFill>
+            </a:endParaRPr>
           </a:p>
         </p:txBody>
       </p:sp>
@@ -41686,13 +42826,18 @@
           <a:p>
             <a:pPr algn="ctr"/>
             <a:r>
-              <a:rPr lang="en-US" sz="8000" dirty="0">
+              <a:rPr lang="en-US" sz="8000" dirty="0" smtClean="0">
                 <a:solidFill>
                   <a:srgbClr val="C00000"/>
                 </a:solidFill>
               </a:rPr>
-              <a:t>A</a:t>
+              <a:t>X</a:t>
             </a:r>
+            <a:endParaRPr lang="en-US" sz="8000" dirty="0">
+              <a:solidFill>
+                <a:srgbClr val="C00000"/>
+              </a:solidFill>
+            </a:endParaRPr>
           </a:p>
         </p:txBody>
       </p:sp>
@@ -41748,13 +42893,18 @@
           <a:p>
             <a:pPr algn="ctr"/>
             <a:r>
-              <a:rPr lang="en-US" sz="8000" dirty="0">
+              <a:rPr lang="en-US" sz="8000" smtClean="0">
                 <a:solidFill>
                   <a:srgbClr val="C00000"/>
                 </a:solidFill>
               </a:rPr>
-              <a:t>B</a:t>
+              <a:t>Z</a:t>
             </a:r>
+            <a:endParaRPr lang="en-US" sz="8000" dirty="0">
+              <a:solidFill>
+                <a:srgbClr val="C00000"/>
+              </a:solidFill>
+            </a:endParaRPr>
           </a:p>
         </p:txBody>
       </p:sp>
@@ -41810,13 +42960,18 @@
           <a:p>
             <a:pPr algn="ctr"/>
             <a:r>
-              <a:rPr lang="en-US" sz="8000" dirty="0">
+              <a:rPr lang="en-US" sz="8000" dirty="0" smtClean="0">
                 <a:solidFill>
                   <a:srgbClr val="C00000"/>
                 </a:solidFill>
               </a:rPr>
-              <a:t>C</a:t>
+              <a:t>Y</a:t>
             </a:r>
+            <a:endParaRPr lang="en-US" sz="8000" dirty="0">
+              <a:solidFill>
+                <a:srgbClr val="C00000"/>
+              </a:solidFill>
+            </a:endParaRPr>
           </a:p>
         </p:txBody>
       </p:sp>
@@ -42091,13 +43246,18 @@
           <a:p>
             <a:pPr algn="ctr"/>
             <a:r>
-              <a:rPr lang="en-US" sz="8000" dirty="0">
+              <a:rPr lang="en-US" sz="8000" dirty="0" smtClean="0">
                 <a:solidFill>
                   <a:srgbClr val="C00000"/>
                 </a:solidFill>
               </a:rPr>
-              <a:t>A</a:t>
+              <a:t>X</a:t>
             </a:r>
+            <a:endParaRPr lang="en-US" sz="8000" dirty="0">
+              <a:solidFill>
+                <a:srgbClr val="C00000"/>
+              </a:solidFill>
+            </a:endParaRPr>
           </a:p>
         </p:txBody>
       </p:sp>
@@ -42153,13 +43313,18 @@
           <a:p>
             <a:pPr algn="ctr"/>
             <a:r>
-              <a:rPr lang="en-US" sz="8000" dirty="0">
+              <a:rPr lang="en-US" sz="8000" smtClean="0">
                 <a:solidFill>
                   <a:srgbClr val="C00000"/>
                 </a:solidFill>
               </a:rPr>
-              <a:t>B</a:t>
+              <a:t>Z</a:t>
             </a:r>
+            <a:endParaRPr lang="en-US" sz="8000" dirty="0">
+              <a:solidFill>
+                <a:srgbClr val="C00000"/>
+              </a:solidFill>
+            </a:endParaRPr>
           </a:p>
         </p:txBody>
       </p:sp>
@@ -42215,13 +43380,18 @@
           <a:p>
             <a:pPr algn="ctr"/>
             <a:r>
-              <a:rPr lang="en-US" sz="8000" dirty="0">
+              <a:rPr lang="en-US" sz="8000" dirty="0" smtClean="0">
                 <a:solidFill>
                   <a:srgbClr val="C00000"/>
                 </a:solidFill>
               </a:rPr>
-              <a:t>C</a:t>
+              <a:t>Y</a:t>
             </a:r>
+            <a:endParaRPr lang="en-US" sz="8000" dirty="0">
+              <a:solidFill>
+                <a:srgbClr val="C00000"/>
+              </a:solidFill>
+            </a:endParaRPr>
           </a:p>
         </p:txBody>
       </p:sp>
@@ -42501,13 +43671,18 @@
           <a:p>
             <a:pPr algn="ctr"/>
             <a:r>
-              <a:rPr lang="en-US" sz="8000" dirty="0">
+              <a:rPr lang="en-US" sz="8000" dirty="0" smtClean="0">
                 <a:solidFill>
                   <a:srgbClr val="C00000"/>
                 </a:solidFill>
               </a:rPr>
-              <a:t>A</a:t>
+              <a:t>X</a:t>
             </a:r>
+            <a:endParaRPr lang="en-US" sz="8000" dirty="0">
+              <a:solidFill>
+                <a:srgbClr val="C00000"/>
+              </a:solidFill>
+            </a:endParaRPr>
           </a:p>
         </p:txBody>
       </p:sp>
@@ -42563,13 +43738,18 @@
           <a:p>
             <a:pPr algn="ctr"/>
             <a:r>
-              <a:rPr lang="en-US" sz="8000" dirty="0">
+              <a:rPr lang="en-US" sz="8000" smtClean="0">
                 <a:solidFill>
                   <a:srgbClr val="C00000"/>
                 </a:solidFill>
               </a:rPr>
-              <a:t>B</a:t>
+              <a:t>Z</a:t>
             </a:r>
+            <a:endParaRPr lang="en-US" sz="8000" dirty="0">
+              <a:solidFill>
+                <a:srgbClr val="C00000"/>
+              </a:solidFill>
+            </a:endParaRPr>
           </a:p>
         </p:txBody>
       </p:sp>
@@ -42625,13 +43805,18 @@
           <a:p>
             <a:pPr algn="ctr"/>
             <a:r>
-              <a:rPr lang="en-US" sz="8000" dirty="0">
+              <a:rPr lang="en-US" sz="8000" dirty="0" smtClean="0">
                 <a:solidFill>
                   <a:srgbClr val="C00000"/>
                 </a:solidFill>
               </a:rPr>
-              <a:t>C</a:t>
+              <a:t>Y</a:t>
             </a:r>
+            <a:endParaRPr lang="en-US" sz="8000" dirty="0">
+              <a:solidFill>
+                <a:srgbClr val="C00000"/>
+              </a:solidFill>
+            </a:endParaRPr>
           </a:p>
         </p:txBody>
       </p:sp>
@@ -42906,13 +44091,18 @@
           <a:p>
             <a:pPr algn="ctr"/>
             <a:r>
-              <a:rPr lang="en-US" sz="8000" dirty="0">
+              <a:rPr lang="en-US" sz="8000" dirty="0" smtClean="0">
                 <a:solidFill>
                   <a:srgbClr val="C00000"/>
                 </a:solidFill>
               </a:rPr>
-              <a:t>A</a:t>
+              <a:t>X</a:t>
             </a:r>
+            <a:endParaRPr lang="en-US" sz="8000" dirty="0">
+              <a:solidFill>
+                <a:srgbClr val="C00000"/>
+              </a:solidFill>
+            </a:endParaRPr>
           </a:p>
         </p:txBody>
       </p:sp>
@@ -42968,13 +44158,18 @@
           <a:p>
             <a:pPr algn="ctr"/>
             <a:r>
-              <a:rPr lang="en-US" sz="8000" dirty="0">
+              <a:rPr lang="en-US" sz="8000" smtClean="0">
                 <a:solidFill>
                   <a:srgbClr val="C00000"/>
                 </a:solidFill>
               </a:rPr>
-              <a:t>B</a:t>
+              <a:t>Z</a:t>
             </a:r>
+            <a:endParaRPr lang="en-US" sz="8000" dirty="0">
+              <a:solidFill>
+                <a:srgbClr val="C00000"/>
+              </a:solidFill>
+            </a:endParaRPr>
           </a:p>
         </p:txBody>
       </p:sp>
@@ -43030,13 +44225,18 @@
           <a:p>
             <a:pPr algn="ctr"/>
             <a:r>
-              <a:rPr lang="en-US" sz="8000" dirty="0">
+              <a:rPr lang="en-US" sz="8000" dirty="0" smtClean="0">
                 <a:solidFill>
                   <a:srgbClr val="C00000"/>
                 </a:solidFill>
               </a:rPr>
-              <a:t>C</a:t>
+              <a:t>Y</a:t>
             </a:r>
+            <a:endParaRPr lang="en-US" sz="8000" dirty="0">
+              <a:solidFill>
+                <a:srgbClr val="C00000"/>
+              </a:solidFill>
+            </a:endParaRPr>
           </a:p>
         </p:txBody>
       </p:sp>
@@ -43311,13 +44511,18 @@
           <a:p>
             <a:pPr algn="ctr"/>
             <a:r>
-              <a:rPr lang="en-US" sz="8000" dirty="0">
+              <a:rPr lang="en-US" sz="8000" dirty="0" smtClean="0">
                 <a:solidFill>
                   <a:srgbClr val="C00000"/>
                 </a:solidFill>
               </a:rPr>
-              <a:t>A</a:t>
+              <a:t>X</a:t>
             </a:r>
+            <a:endParaRPr lang="en-US" sz="8000" dirty="0">
+              <a:solidFill>
+                <a:srgbClr val="C00000"/>
+              </a:solidFill>
+            </a:endParaRPr>
           </a:p>
         </p:txBody>
       </p:sp>
@@ -43373,13 +44578,18 @@
           <a:p>
             <a:pPr algn="ctr"/>
             <a:r>
-              <a:rPr lang="en-US" sz="8000" dirty="0">
+              <a:rPr lang="en-US" sz="8000" smtClean="0">
                 <a:solidFill>
                   <a:srgbClr val="C00000"/>
                 </a:solidFill>
               </a:rPr>
-              <a:t>B</a:t>
+              <a:t>Z</a:t>
             </a:r>
+            <a:endParaRPr lang="en-US" sz="8000" dirty="0">
+              <a:solidFill>
+                <a:srgbClr val="C00000"/>
+              </a:solidFill>
+            </a:endParaRPr>
           </a:p>
         </p:txBody>
       </p:sp>
@@ -43435,13 +44645,18 @@
           <a:p>
             <a:pPr algn="ctr"/>
             <a:r>
-              <a:rPr lang="en-US" sz="8000" dirty="0">
+              <a:rPr lang="en-US" sz="8000" dirty="0" smtClean="0">
                 <a:solidFill>
                   <a:srgbClr val="C00000"/>
                 </a:solidFill>
               </a:rPr>
-              <a:t>C</a:t>
+              <a:t>Y</a:t>
             </a:r>
+            <a:endParaRPr lang="en-US" sz="8000" dirty="0">
+              <a:solidFill>
+                <a:srgbClr val="C00000"/>
+              </a:solidFill>
+            </a:endParaRPr>
           </a:p>
         </p:txBody>
       </p:sp>
